--- a/Chapters/Oop/fig/fig.pptx
+++ b/Chapters/Oop/fig/fig.pptx
@@ -7,6 +7,8 @@
   <p:sldIdLst>
     <p:sldId id="256" r:id="rId2"/>
     <p:sldId id="257" r:id="rId3"/>
+    <p:sldId id="258" r:id="rId4"/>
+    <p:sldId id="259" r:id="rId5"/>
   </p:sldIdLst>
   <p:sldSz cx="12192000" cy="6858000"/>
   <p:notesSz cx="6858000" cy="9144000"/>
@@ -113,6 +115,10 @@
 </p:presentation>
 </file>
 
+<file path=ppt/revisionInfo.xml><?xml version="1.0" encoding="utf-8"?>
+<p1510:revInfo xmlns:a="http://schemas.openxmlformats.org/drawingml/2006/main" xmlns:r="http://schemas.openxmlformats.org/officeDocument/2006/relationships" xmlns:p1510="http://schemas.microsoft.com/office/powerpoint/2015/10/main"/>
+</file>
+
 <file path=ppt/slideLayouts/slideLayout1.xml><?xml version="1.0" encoding="utf-8"?>
 <p:sldLayout xmlns:a="http://schemas.openxmlformats.org/drawingml/2006/main" xmlns:r="http://schemas.openxmlformats.org/officeDocument/2006/relationships" xmlns:p="http://schemas.openxmlformats.org/presentationml/2006/main" type="title" preserve="1">
   <p:cSld name="タイトル スライド">
@@ -242,7 +248,7 @@
           <a:p>
             <a:fld id="{3F915A30-2366-43CE-A573-923A46838505}" type="datetimeFigureOut">
               <a:rPr kumimoji="1" lang="ja-JP" altLang="en-US" smtClean="0"/>
-              <a:t>2016/6/12</a:t>
+              <a:t>2017/10/22</a:t>
             </a:fld>
             <a:endParaRPr kumimoji="1" lang="ja-JP" altLang="en-US"/>
           </a:p>
@@ -442,7 +448,7 @@
           <a:p>
             <a:fld id="{3F915A30-2366-43CE-A573-923A46838505}" type="datetimeFigureOut">
               <a:rPr kumimoji="1" lang="ja-JP" altLang="en-US" smtClean="0"/>
-              <a:t>2016/6/12</a:t>
+              <a:t>2017/10/22</a:t>
             </a:fld>
             <a:endParaRPr kumimoji="1" lang="ja-JP" altLang="en-US"/>
           </a:p>
@@ -652,7 +658,7 @@
           <a:p>
             <a:fld id="{3F915A30-2366-43CE-A573-923A46838505}" type="datetimeFigureOut">
               <a:rPr kumimoji="1" lang="ja-JP" altLang="en-US" smtClean="0"/>
-              <a:t>2016/6/12</a:t>
+              <a:t>2017/10/22</a:t>
             </a:fld>
             <a:endParaRPr kumimoji="1" lang="ja-JP" altLang="en-US"/>
           </a:p>
@@ -852,7 +858,7 @@
           <a:p>
             <a:fld id="{3F915A30-2366-43CE-A573-923A46838505}" type="datetimeFigureOut">
               <a:rPr kumimoji="1" lang="ja-JP" altLang="en-US" smtClean="0"/>
-              <a:t>2016/6/12</a:t>
+              <a:t>2017/10/22</a:t>
             </a:fld>
             <a:endParaRPr kumimoji="1" lang="ja-JP" altLang="en-US"/>
           </a:p>
@@ -1097,7 +1103,7 @@
           <a:p>
             <a:fld id="{3F915A30-2366-43CE-A573-923A46838505}" type="datetimeFigureOut">
               <a:rPr kumimoji="1" lang="ja-JP" altLang="en-US" smtClean="0"/>
-              <a:t>2016/6/12</a:t>
+              <a:t>2017/10/22</a:t>
             </a:fld>
             <a:endParaRPr kumimoji="1" lang="ja-JP" altLang="en-US"/>
           </a:p>
@@ -1390,7 +1396,7 @@
           <a:p>
             <a:fld id="{3F915A30-2366-43CE-A573-923A46838505}" type="datetimeFigureOut">
               <a:rPr kumimoji="1" lang="ja-JP" altLang="en-US" smtClean="0"/>
-              <a:t>2016/6/12</a:t>
+              <a:t>2017/10/22</a:t>
             </a:fld>
             <a:endParaRPr kumimoji="1" lang="ja-JP" altLang="en-US"/>
           </a:p>
@@ -1818,7 +1824,7 @@
           <a:p>
             <a:fld id="{3F915A30-2366-43CE-A573-923A46838505}" type="datetimeFigureOut">
               <a:rPr kumimoji="1" lang="ja-JP" altLang="en-US" smtClean="0"/>
-              <a:t>2016/6/12</a:t>
+              <a:t>2017/10/22</a:t>
             </a:fld>
             <a:endParaRPr kumimoji="1" lang="ja-JP" altLang="en-US"/>
           </a:p>
@@ -1935,7 +1941,7 @@
           <a:p>
             <a:fld id="{3F915A30-2366-43CE-A573-923A46838505}" type="datetimeFigureOut">
               <a:rPr kumimoji="1" lang="ja-JP" altLang="en-US" smtClean="0"/>
-              <a:t>2016/6/12</a:t>
+              <a:t>2017/10/22</a:t>
             </a:fld>
             <a:endParaRPr kumimoji="1" lang="ja-JP" altLang="en-US"/>
           </a:p>
@@ -2030,7 +2036,7 @@
           <a:p>
             <a:fld id="{3F915A30-2366-43CE-A573-923A46838505}" type="datetimeFigureOut">
               <a:rPr kumimoji="1" lang="ja-JP" altLang="en-US" smtClean="0"/>
-              <a:t>2016/6/12</a:t>
+              <a:t>2017/10/22</a:t>
             </a:fld>
             <a:endParaRPr kumimoji="1" lang="ja-JP" altLang="en-US"/>
           </a:p>
@@ -2337,7 +2343,7 @@
           <a:p>
             <a:fld id="{3F915A30-2366-43CE-A573-923A46838505}" type="datetimeFigureOut">
               <a:rPr kumimoji="1" lang="ja-JP" altLang="en-US" smtClean="0"/>
-              <a:t>2016/6/12</a:t>
+              <a:t>2017/10/22</a:t>
             </a:fld>
             <a:endParaRPr kumimoji="1" lang="ja-JP" altLang="en-US"/>
           </a:p>
@@ -2589,7 +2595,7 @@
           <a:p>
             <a:fld id="{3F915A30-2366-43CE-A573-923A46838505}" type="datetimeFigureOut">
               <a:rPr kumimoji="1" lang="ja-JP" altLang="en-US" smtClean="0"/>
-              <a:t>2016/6/12</a:t>
+              <a:t>2017/10/22</a:t>
             </a:fld>
             <a:endParaRPr kumimoji="1" lang="ja-JP" altLang="en-US"/>
           </a:p>
@@ -2832,7 +2838,7 @@
           <a:p>
             <a:fld id="{3F915A30-2366-43CE-A573-923A46838505}" type="datetimeFigureOut">
               <a:rPr kumimoji="1" lang="ja-JP" altLang="en-US" smtClean="0"/>
-              <a:t>2016/6/12</a:t>
+              <a:t>2017/10/22</a:t>
             </a:fld>
             <a:endParaRPr kumimoji="1" lang="ja-JP" altLang="en-US"/>
           </a:p>
@@ -5354,6 +5360,2415 @@
 </p:sld>
 </file>
 
+<file path=ppt/slides/slide3.xml><?xml version="1.0" encoding="utf-8"?>
+<p:sld xmlns:a="http://schemas.openxmlformats.org/drawingml/2006/main" xmlns:r="http://schemas.openxmlformats.org/officeDocument/2006/relationships" xmlns:p="http://schemas.openxmlformats.org/presentationml/2006/main">
+  <p:cSld>
+    <p:spTree>
+      <p:nvGrpSpPr>
+        <p:cNvPr id="1" name=""/>
+        <p:cNvGrpSpPr/>
+        <p:nvPr/>
+      </p:nvGrpSpPr>
+      <p:grpSpPr>
+        <a:xfrm>
+          <a:off x="0" y="0"/>
+          <a:ext cx="0" cy="0"/>
+          <a:chOff x="0" y="0"/>
+          <a:chExt cx="0" cy="0"/>
+        </a:xfrm>
+      </p:grpSpPr>
+      <p:sp>
+        <p:nvSpPr>
+          <p:cNvPr id="10" name="矢印: 上下 9">
+            <a:extLst>
+              <a:ext uri="{FF2B5EF4-FFF2-40B4-BE49-F238E27FC236}">
+                <a16:creationId xmlns:a16="http://schemas.microsoft.com/office/drawing/2014/main" id="{47AAA05D-DFE5-4CE0-93E5-7A03B1679560}"/>
+              </a:ext>
+            </a:extLst>
+          </p:cNvPr>
+          <p:cNvSpPr/>
+          <p:nvPr/>
+        </p:nvSpPr>
+        <p:spPr>
+          <a:xfrm>
+            <a:off x="2127100" y="539496"/>
+            <a:ext cx="177187" cy="2596896"/>
+          </a:xfrm>
+          <a:prstGeom prst="upDownArrow">
+            <a:avLst/>
+          </a:prstGeom>
+        </p:spPr>
+        <p:style>
+          <a:lnRef idx="1">
+            <a:schemeClr val="accent1"/>
+          </a:lnRef>
+          <a:fillRef idx="2">
+            <a:schemeClr val="accent1"/>
+          </a:fillRef>
+          <a:effectRef idx="1">
+            <a:schemeClr val="accent1"/>
+          </a:effectRef>
+          <a:fontRef idx="minor">
+            <a:schemeClr val="dk1"/>
+          </a:fontRef>
+        </p:style>
+        <p:txBody>
+          <a:bodyPr lIns="36000" tIns="36000" rIns="36000" bIns="36000" rtlCol="0" anchor="ctr"/>
+          <a:lstStyle/>
+          <a:p>
+            <a:pPr algn="ctr"/>
+            <a:endParaRPr kumimoji="1" lang="ja-JP" altLang="en-US" sz="1000" dirty="0"/>
+          </a:p>
+        </p:txBody>
+      </p:sp>
+      <p:sp>
+        <p:nvSpPr>
+          <p:cNvPr id="2" name="四角形: 角を丸くする 1">
+            <a:extLst>
+              <a:ext uri="{FF2B5EF4-FFF2-40B4-BE49-F238E27FC236}">
+                <a16:creationId xmlns:a16="http://schemas.microsoft.com/office/drawing/2014/main" id="{09DB9D8C-3061-45D0-82EF-721CF3AAD0D9}"/>
+              </a:ext>
+            </a:extLst>
+          </p:cNvPr>
+          <p:cNvSpPr/>
+          <p:nvPr/>
+        </p:nvSpPr>
+        <p:spPr>
+          <a:xfrm>
+            <a:off x="2615184" y="832104"/>
+            <a:ext cx="1078992" cy="256032"/>
+          </a:xfrm>
+          <a:prstGeom prst="roundRect">
+            <a:avLst/>
+          </a:prstGeom>
+        </p:spPr>
+        <p:style>
+          <a:lnRef idx="2">
+            <a:schemeClr val="accent3"/>
+          </a:lnRef>
+          <a:fillRef idx="1">
+            <a:schemeClr val="lt1"/>
+          </a:fillRef>
+          <a:effectRef idx="0">
+            <a:schemeClr val="accent3"/>
+          </a:effectRef>
+          <a:fontRef idx="minor">
+            <a:schemeClr val="dk1"/>
+          </a:fontRef>
+        </p:style>
+        <p:txBody>
+          <a:bodyPr lIns="36000" tIns="36000" rIns="36000" bIns="36000" rtlCol="0" anchor="ctr"/>
+          <a:lstStyle/>
+          <a:p>
+            <a:pPr algn="ctr"/>
+            <a:r>
+              <a:rPr kumimoji="1" lang="en-US" altLang="ja-JP" sz="1000" dirty="0"/>
+              <a:t>public</a:t>
+            </a:r>
+            <a:endParaRPr kumimoji="1" lang="ja-JP" altLang="en-US" sz="1000" dirty="0"/>
+          </a:p>
+        </p:txBody>
+      </p:sp>
+      <p:sp>
+        <p:nvSpPr>
+          <p:cNvPr id="3" name="四角形: 角を丸くする 2">
+            <a:extLst>
+              <a:ext uri="{FF2B5EF4-FFF2-40B4-BE49-F238E27FC236}">
+                <a16:creationId xmlns:a16="http://schemas.microsoft.com/office/drawing/2014/main" id="{47FE6BFD-BE34-46FA-BA54-65527845002D}"/>
+              </a:ext>
+            </a:extLst>
+          </p:cNvPr>
+          <p:cNvSpPr/>
+          <p:nvPr/>
+        </p:nvSpPr>
+        <p:spPr>
+          <a:xfrm>
+            <a:off x="2615184" y="1271016"/>
+            <a:ext cx="1078992" cy="256032"/>
+          </a:xfrm>
+          <a:prstGeom prst="roundRect">
+            <a:avLst/>
+          </a:prstGeom>
+        </p:spPr>
+        <p:style>
+          <a:lnRef idx="2">
+            <a:schemeClr val="accent3"/>
+          </a:lnRef>
+          <a:fillRef idx="1">
+            <a:schemeClr val="lt1"/>
+          </a:fillRef>
+          <a:effectRef idx="0">
+            <a:schemeClr val="accent3"/>
+          </a:effectRef>
+          <a:fontRef idx="minor">
+            <a:schemeClr val="dk1"/>
+          </a:fontRef>
+        </p:style>
+        <p:txBody>
+          <a:bodyPr lIns="36000" tIns="36000" rIns="36000" bIns="36000" rtlCol="0" anchor="ctr"/>
+          <a:lstStyle/>
+          <a:p>
+            <a:pPr algn="ctr"/>
+            <a:r>
+              <a:rPr kumimoji="1" lang="en-US" altLang="ja-JP" sz="1000" dirty="0"/>
+              <a:t>protected internal</a:t>
+            </a:r>
+            <a:endParaRPr kumimoji="1" lang="ja-JP" altLang="en-US" sz="1000" dirty="0"/>
+          </a:p>
+        </p:txBody>
+      </p:sp>
+      <p:sp>
+        <p:nvSpPr>
+          <p:cNvPr id="4" name="四角形: 角を丸くする 3">
+            <a:extLst>
+              <a:ext uri="{FF2B5EF4-FFF2-40B4-BE49-F238E27FC236}">
+                <a16:creationId xmlns:a16="http://schemas.microsoft.com/office/drawing/2014/main" id="{6620CDCF-216E-4174-B2A7-9B4654C98F22}"/>
+              </a:ext>
+            </a:extLst>
+          </p:cNvPr>
+          <p:cNvSpPr/>
+          <p:nvPr/>
+        </p:nvSpPr>
+        <p:spPr>
+          <a:xfrm>
+            <a:off x="2615184" y="2148840"/>
+            <a:ext cx="1078992" cy="256032"/>
+          </a:xfrm>
+          <a:prstGeom prst="roundRect">
+            <a:avLst/>
+          </a:prstGeom>
+        </p:spPr>
+        <p:style>
+          <a:lnRef idx="2">
+            <a:schemeClr val="accent3"/>
+          </a:lnRef>
+          <a:fillRef idx="1">
+            <a:schemeClr val="lt1"/>
+          </a:fillRef>
+          <a:effectRef idx="0">
+            <a:schemeClr val="accent3"/>
+          </a:effectRef>
+          <a:fontRef idx="minor">
+            <a:schemeClr val="dk1"/>
+          </a:fontRef>
+        </p:style>
+        <p:txBody>
+          <a:bodyPr lIns="36000" tIns="36000" rIns="36000" bIns="36000" rtlCol="0" anchor="ctr"/>
+          <a:lstStyle/>
+          <a:p>
+            <a:pPr algn="ctr"/>
+            <a:r>
+              <a:rPr kumimoji="1" lang="en-US" altLang="ja-JP" sz="1000" dirty="0"/>
+              <a:t>private protected</a:t>
+            </a:r>
+            <a:endParaRPr kumimoji="1" lang="ja-JP" altLang="en-US" sz="1000" dirty="0"/>
+          </a:p>
+        </p:txBody>
+      </p:sp>
+      <p:sp>
+        <p:nvSpPr>
+          <p:cNvPr id="6" name="四角形: 角を丸くする 5">
+            <a:extLst>
+              <a:ext uri="{FF2B5EF4-FFF2-40B4-BE49-F238E27FC236}">
+                <a16:creationId xmlns:a16="http://schemas.microsoft.com/office/drawing/2014/main" id="{3270A79B-3C96-4664-9AEF-54A82D43BA3F}"/>
+              </a:ext>
+            </a:extLst>
+          </p:cNvPr>
+          <p:cNvSpPr/>
+          <p:nvPr/>
+        </p:nvSpPr>
+        <p:spPr>
+          <a:xfrm>
+            <a:off x="2615184" y="2587752"/>
+            <a:ext cx="1078992" cy="256032"/>
+          </a:xfrm>
+          <a:prstGeom prst="roundRect">
+            <a:avLst/>
+          </a:prstGeom>
+        </p:spPr>
+        <p:style>
+          <a:lnRef idx="2">
+            <a:schemeClr val="accent3"/>
+          </a:lnRef>
+          <a:fillRef idx="1">
+            <a:schemeClr val="lt1"/>
+          </a:fillRef>
+          <a:effectRef idx="0">
+            <a:schemeClr val="accent3"/>
+          </a:effectRef>
+          <a:fontRef idx="minor">
+            <a:schemeClr val="dk1"/>
+          </a:fontRef>
+        </p:style>
+        <p:txBody>
+          <a:bodyPr lIns="36000" tIns="36000" rIns="36000" bIns="36000" rtlCol="0" anchor="ctr"/>
+          <a:lstStyle/>
+          <a:p>
+            <a:pPr algn="ctr"/>
+            <a:r>
+              <a:rPr kumimoji="1" lang="en-US" altLang="ja-JP" sz="1000" dirty="0"/>
+              <a:t>private</a:t>
+            </a:r>
+            <a:endParaRPr kumimoji="1" lang="ja-JP" altLang="en-US" sz="1000" dirty="0"/>
+          </a:p>
+        </p:txBody>
+      </p:sp>
+      <p:sp>
+        <p:nvSpPr>
+          <p:cNvPr id="7" name="四角形: 角を丸くする 6">
+            <a:extLst>
+              <a:ext uri="{FF2B5EF4-FFF2-40B4-BE49-F238E27FC236}">
+                <a16:creationId xmlns:a16="http://schemas.microsoft.com/office/drawing/2014/main" id="{81F3CDAE-96CA-415A-B3EA-7AD8E6747A45}"/>
+              </a:ext>
+            </a:extLst>
+          </p:cNvPr>
+          <p:cNvSpPr/>
+          <p:nvPr/>
+        </p:nvSpPr>
+        <p:spPr>
+          <a:xfrm>
+            <a:off x="2304288" y="1709928"/>
+            <a:ext cx="642322" cy="256032"/>
+          </a:xfrm>
+          <a:prstGeom prst="roundRect">
+            <a:avLst/>
+          </a:prstGeom>
+        </p:spPr>
+        <p:style>
+          <a:lnRef idx="2">
+            <a:schemeClr val="accent3"/>
+          </a:lnRef>
+          <a:fillRef idx="1">
+            <a:schemeClr val="lt1"/>
+          </a:fillRef>
+          <a:effectRef idx="0">
+            <a:schemeClr val="accent3"/>
+          </a:effectRef>
+          <a:fontRef idx="minor">
+            <a:schemeClr val="dk1"/>
+          </a:fontRef>
+        </p:style>
+        <p:txBody>
+          <a:bodyPr lIns="36000" tIns="36000" rIns="36000" bIns="36000" rtlCol="0" anchor="ctr"/>
+          <a:lstStyle/>
+          <a:p>
+            <a:pPr algn="ctr"/>
+            <a:r>
+              <a:rPr kumimoji="1" lang="en-US" altLang="ja-JP" sz="1000" dirty="0"/>
+              <a:t>protected</a:t>
+            </a:r>
+            <a:endParaRPr kumimoji="1" lang="ja-JP" altLang="en-US" sz="1000" dirty="0"/>
+          </a:p>
+        </p:txBody>
+      </p:sp>
+      <p:sp>
+        <p:nvSpPr>
+          <p:cNvPr id="9" name="四角形: 角を丸くする 8">
+            <a:extLst>
+              <a:ext uri="{FF2B5EF4-FFF2-40B4-BE49-F238E27FC236}">
+                <a16:creationId xmlns:a16="http://schemas.microsoft.com/office/drawing/2014/main" id="{F26DF53D-187D-4E3F-8CF3-DA7C4F30C4F3}"/>
+              </a:ext>
+            </a:extLst>
+          </p:cNvPr>
+          <p:cNvSpPr/>
+          <p:nvPr/>
+        </p:nvSpPr>
+        <p:spPr>
+          <a:xfrm>
+            <a:off x="3373015" y="1709928"/>
+            <a:ext cx="642322" cy="256032"/>
+          </a:xfrm>
+          <a:prstGeom prst="roundRect">
+            <a:avLst/>
+          </a:prstGeom>
+        </p:spPr>
+        <p:style>
+          <a:lnRef idx="2">
+            <a:schemeClr val="accent3"/>
+          </a:lnRef>
+          <a:fillRef idx="1">
+            <a:schemeClr val="lt1"/>
+          </a:fillRef>
+          <a:effectRef idx="0">
+            <a:schemeClr val="accent3"/>
+          </a:effectRef>
+          <a:fontRef idx="minor">
+            <a:schemeClr val="dk1"/>
+          </a:fontRef>
+        </p:style>
+        <p:txBody>
+          <a:bodyPr lIns="36000" tIns="36000" rIns="36000" bIns="36000" rtlCol="0" anchor="ctr"/>
+          <a:lstStyle/>
+          <a:p>
+            <a:pPr algn="ctr"/>
+            <a:r>
+              <a:rPr kumimoji="1" lang="en-US" altLang="ja-JP" sz="1000" dirty="0"/>
+              <a:t>internal</a:t>
+            </a:r>
+            <a:endParaRPr kumimoji="1" lang="ja-JP" altLang="en-US" sz="1000" dirty="0"/>
+          </a:p>
+        </p:txBody>
+      </p:sp>
+      <p:sp>
+        <p:nvSpPr>
+          <p:cNvPr id="11" name="テキスト ボックス 10">
+            <a:extLst>
+              <a:ext uri="{FF2B5EF4-FFF2-40B4-BE49-F238E27FC236}">
+                <a16:creationId xmlns:a16="http://schemas.microsoft.com/office/drawing/2014/main" id="{DCFD6FA9-91D6-4527-B594-94B011BBE33C}"/>
+              </a:ext>
+            </a:extLst>
+          </p:cNvPr>
+          <p:cNvSpPr txBox="1"/>
+          <p:nvPr/>
+        </p:nvSpPr>
+        <p:spPr>
+          <a:xfrm>
+            <a:off x="2304288" y="413264"/>
+            <a:ext cx="1611586" cy="380480"/>
+          </a:xfrm>
+          <a:prstGeom prst="rect">
+            <a:avLst/>
+          </a:prstGeom>
+          <a:noFill/>
+        </p:spPr>
+        <p:txBody>
+          <a:bodyPr wrap="none" lIns="36000" tIns="36000" rIns="36000" bIns="36000" rtlCol="0">
+            <a:spAutoFit/>
+          </a:bodyPr>
+          <a:lstStyle/>
+          <a:p>
+            <a:r>
+              <a:rPr lang="ja-JP" altLang="en-US" sz="1000" dirty="0"/>
+              <a:t>制限が緩い</a:t>
+            </a:r>
+            <a:endParaRPr lang="en-US" altLang="ja-JP" sz="1000" dirty="0"/>
+          </a:p>
+          <a:p>
+            <a:r>
+              <a:rPr lang="ja-JP" altLang="en-US" sz="1000" dirty="0"/>
+              <a:t>アクセスできる範囲が広い</a:t>
+            </a:r>
+            <a:endParaRPr kumimoji="1" lang="ja-JP" altLang="en-US" sz="1000" dirty="0"/>
+          </a:p>
+        </p:txBody>
+      </p:sp>
+      <p:sp>
+        <p:nvSpPr>
+          <p:cNvPr id="12" name="テキスト ボックス 11">
+            <a:extLst>
+              <a:ext uri="{FF2B5EF4-FFF2-40B4-BE49-F238E27FC236}">
+                <a16:creationId xmlns:a16="http://schemas.microsoft.com/office/drawing/2014/main" id="{2AB79647-969A-4E37-B1F5-287963F86E50}"/>
+              </a:ext>
+            </a:extLst>
+          </p:cNvPr>
+          <p:cNvSpPr txBox="1"/>
+          <p:nvPr/>
+        </p:nvSpPr>
+        <p:spPr>
+          <a:xfrm>
+            <a:off x="2304288" y="2920504"/>
+            <a:ext cx="1611586" cy="380480"/>
+          </a:xfrm>
+          <a:prstGeom prst="rect">
+            <a:avLst/>
+          </a:prstGeom>
+          <a:noFill/>
+        </p:spPr>
+        <p:txBody>
+          <a:bodyPr wrap="none" lIns="36000" tIns="36000" rIns="36000" bIns="36000" rtlCol="0">
+            <a:spAutoFit/>
+          </a:bodyPr>
+          <a:lstStyle/>
+          <a:p>
+            <a:r>
+              <a:rPr lang="ja-JP" altLang="en-US" sz="1000" dirty="0"/>
+              <a:t>制限が厳しい</a:t>
+            </a:r>
+            <a:endParaRPr lang="en-US" altLang="ja-JP" sz="1000" dirty="0"/>
+          </a:p>
+          <a:p>
+            <a:r>
+              <a:rPr lang="ja-JP" altLang="en-US" sz="1000" dirty="0"/>
+              <a:t>アクセスできる範囲が狭い</a:t>
+            </a:r>
+            <a:endParaRPr kumimoji="1" lang="ja-JP" altLang="en-US" sz="1000" dirty="0"/>
+          </a:p>
+        </p:txBody>
+      </p:sp>
+      <p:sp>
+        <p:nvSpPr>
+          <p:cNvPr id="14" name="テキスト ボックス 13">
+            <a:extLst>
+              <a:ext uri="{FF2B5EF4-FFF2-40B4-BE49-F238E27FC236}">
+                <a16:creationId xmlns:a16="http://schemas.microsoft.com/office/drawing/2014/main" id="{DE41464A-0C9E-4D27-A4BA-E6931FBADF3C}"/>
+              </a:ext>
+            </a:extLst>
+          </p:cNvPr>
+          <p:cNvSpPr txBox="1"/>
+          <p:nvPr/>
+        </p:nvSpPr>
+        <p:spPr>
+          <a:xfrm>
+            <a:off x="3785616" y="899905"/>
+            <a:ext cx="765200" cy="211203"/>
+          </a:xfrm>
+          <a:prstGeom prst="rect">
+            <a:avLst/>
+          </a:prstGeom>
+          <a:noFill/>
+        </p:spPr>
+        <p:txBody>
+          <a:bodyPr wrap="none" lIns="36000" tIns="36000" rIns="36000" bIns="36000" rtlCol="0">
+            <a:spAutoFit/>
+          </a:bodyPr>
+          <a:lstStyle/>
+          <a:p>
+            <a:r>
+              <a:rPr kumimoji="1" lang="ja-JP" altLang="en-US" sz="900" dirty="0">
+                <a:solidFill>
+                  <a:schemeClr val="accent1">
+                    <a:lumMod val="60000"/>
+                    <a:lumOff val="40000"/>
+                  </a:schemeClr>
+                </a:solidFill>
+              </a:rPr>
+              <a:t>どこからでも</a:t>
+            </a:r>
+          </a:p>
+        </p:txBody>
+      </p:sp>
+      <p:sp>
+        <p:nvSpPr>
+          <p:cNvPr id="15" name="テキスト ボックス 14">
+            <a:extLst>
+              <a:ext uri="{FF2B5EF4-FFF2-40B4-BE49-F238E27FC236}">
+                <a16:creationId xmlns:a16="http://schemas.microsoft.com/office/drawing/2014/main" id="{F7480A89-7628-4C4B-AC46-7FF9DF2AC798}"/>
+              </a:ext>
+            </a:extLst>
+          </p:cNvPr>
+          <p:cNvSpPr txBox="1"/>
+          <p:nvPr/>
+        </p:nvSpPr>
+        <p:spPr>
+          <a:xfrm>
+            <a:off x="3785616" y="1338817"/>
+            <a:ext cx="1393578" cy="211203"/>
+          </a:xfrm>
+          <a:prstGeom prst="rect">
+            <a:avLst/>
+          </a:prstGeom>
+          <a:noFill/>
+        </p:spPr>
+        <p:txBody>
+          <a:bodyPr wrap="none" lIns="36000" tIns="36000" rIns="36000" bIns="36000" rtlCol="0">
+            <a:spAutoFit/>
+          </a:bodyPr>
+          <a:lstStyle/>
+          <a:p>
+            <a:r>
+              <a:rPr kumimoji="1" lang="ja-JP" altLang="en-US" sz="900" dirty="0">
+                <a:solidFill>
+                  <a:schemeClr val="accent1">
+                    <a:lumMod val="60000"/>
+                    <a:lumOff val="40000"/>
+                  </a:schemeClr>
+                </a:solidFill>
+              </a:rPr>
+              <a:t>派生 または 同アセンブリ</a:t>
+            </a:r>
+          </a:p>
+        </p:txBody>
+      </p:sp>
+      <p:sp>
+        <p:nvSpPr>
+          <p:cNvPr id="16" name="テキスト ボックス 15">
+            <a:extLst>
+              <a:ext uri="{FF2B5EF4-FFF2-40B4-BE49-F238E27FC236}">
+                <a16:creationId xmlns:a16="http://schemas.microsoft.com/office/drawing/2014/main" id="{F404CEC2-F206-4A4F-A29A-421D171831F2}"/>
+              </a:ext>
+            </a:extLst>
+          </p:cNvPr>
+          <p:cNvSpPr txBox="1"/>
+          <p:nvPr/>
+        </p:nvSpPr>
+        <p:spPr>
+          <a:xfrm>
+            <a:off x="4015785" y="1777729"/>
+            <a:ext cx="765200" cy="211203"/>
+          </a:xfrm>
+          <a:prstGeom prst="rect">
+            <a:avLst/>
+          </a:prstGeom>
+          <a:noFill/>
+        </p:spPr>
+        <p:txBody>
+          <a:bodyPr wrap="none" lIns="36000" tIns="36000" rIns="36000" bIns="36000" rtlCol="0">
+            <a:spAutoFit/>
+          </a:bodyPr>
+          <a:lstStyle/>
+          <a:p>
+            <a:r>
+              <a:rPr kumimoji="1" lang="ja-JP" altLang="en-US" sz="900" dirty="0">
+                <a:solidFill>
+                  <a:schemeClr val="accent1">
+                    <a:lumMod val="60000"/>
+                    <a:lumOff val="40000"/>
+                  </a:schemeClr>
+                </a:solidFill>
+              </a:rPr>
+              <a:t>同アセンブリ</a:t>
+            </a:r>
+          </a:p>
+        </p:txBody>
+      </p:sp>
+      <p:sp>
+        <p:nvSpPr>
+          <p:cNvPr id="17" name="テキスト ボックス 16">
+            <a:extLst>
+              <a:ext uri="{FF2B5EF4-FFF2-40B4-BE49-F238E27FC236}">
+                <a16:creationId xmlns:a16="http://schemas.microsoft.com/office/drawing/2014/main" id="{C2AF0454-5F70-487E-BE6C-896CDF352E6E}"/>
+              </a:ext>
+            </a:extLst>
+          </p:cNvPr>
+          <p:cNvSpPr txBox="1"/>
+          <p:nvPr/>
+        </p:nvSpPr>
+        <p:spPr>
+          <a:xfrm>
+            <a:off x="2946610" y="1777729"/>
+            <a:ext cx="303536" cy="211203"/>
+          </a:xfrm>
+          <a:prstGeom prst="rect">
+            <a:avLst/>
+          </a:prstGeom>
+          <a:noFill/>
+        </p:spPr>
+        <p:txBody>
+          <a:bodyPr wrap="none" lIns="36000" tIns="36000" rIns="36000" bIns="36000" rtlCol="0">
+            <a:spAutoFit/>
+          </a:bodyPr>
+          <a:lstStyle/>
+          <a:p>
+            <a:r>
+              <a:rPr kumimoji="1" lang="ja-JP" altLang="en-US" sz="900" dirty="0">
+                <a:solidFill>
+                  <a:schemeClr val="accent1">
+                    <a:lumMod val="60000"/>
+                    <a:lumOff val="40000"/>
+                  </a:schemeClr>
+                </a:solidFill>
+              </a:rPr>
+              <a:t>派生</a:t>
+            </a:r>
+          </a:p>
+        </p:txBody>
+      </p:sp>
+      <p:sp>
+        <p:nvSpPr>
+          <p:cNvPr id="18" name="テキスト ボックス 17">
+            <a:extLst>
+              <a:ext uri="{FF2B5EF4-FFF2-40B4-BE49-F238E27FC236}">
+                <a16:creationId xmlns:a16="http://schemas.microsoft.com/office/drawing/2014/main" id="{C5959461-4311-44E7-8858-8F5EEE85A263}"/>
+              </a:ext>
+            </a:extLst>
+          </p:cNvPr>
+          <p:cNvSpPr txBox="1"/>
+          <p:nvPr/>
+        </p:nvSpPr>
+        <p:spPr>
+          <a:xfrm>
+            <a:off x="3785616" y="2216641"/>
+            <a:ext cx="1278161" cy="211203"/>
+          </a:xfrm>
+          <a:prstGeom prst="rect">
+            <a:avLst/>
+          </a:prstGeom>
+          <a:noFill/>
+        </p:spPr>
+        <p:txBody>
+          <a:bodyPr wrap="none" lIns="36000" tIns="36000" rIns="36000" bIns="36000" rtlCol="0">
+            <a:spAutoFit/>
+          </a:bodyPr>
+          <a:lstStyle/>
+          <a:p>
+            <a:r>
+              <a:rPr kumimoji="1" lang="ja-JP" altLang="en-US" sz="900" dirty="0">
+                <a:solidFill>
+                  <a:schemeClr val="accent1">
+                    <a:lumMod val="60000"/>
+                    <a:lumOff val="40000"/>
+                  </a:schemeClr>
+                </a:solidFill>
+              </a:rPr>
+              <a:t>派生 かつ 同アセンブリ</a:t>
+            </a:r>
+          </a:p>
+        </p:txBody>
+      </p:sp>
+      <p:sp>
+        <p:nvSpPr>
+          <p:cNvPr id="19" name="テキスト ボックス 18">
+            <a:extLst>
+              <a:ext uri="{FF2B5EF4-FFF2-40B4-BE49-F238E27FC236}">
+                <a16:creationId xmlns:a16="http://schemas.microsoft.com/office/drawing/2014/main" id="{7AB22831-3535-4128-9A51-26509D8A0F81}"/>
+              </a:ext>
+            </a:extLst>
+          </p:cNvPr>
+          <p:cNvSpPr txBox="1"/>
+          <p:nvPr/>
+        </p:nvSpPr>
+        <p:spPr>
+          <a:xfrm>
+            <a:off x="3785616" y="2655553"/>
+            <a:ext cx="765200" cy="211203"/>
+          </a:xfrm>
+          <a:prstGeom prst="rect">
+            <a:avLst/>
+          </a:prstGeom>
+          <a:noFill/>
+        </p:spPr>
+        <p:txBody>
+          <a:bodyPr wrap="none" lIns="36000" tIns="36000" rIns="36000" bIns="36000" rtlCol="0">
+            <a:spAutoFit/>
+          </a:bodyPr>
+          <a:lstStyle/>
+          <a:p>
+            <a:r>
+              <a:rPr kumimoji="1" lang="ja-JP" altLang="en-US" sz="900" dirty="0">
+                <a:solidFill>
+                  <a:schemeClr val="accent1">
+                    <a:lumMod val="60000"/>
+                    <a:lumOff val="40000"/>
+                  </a:schemeClr>
+                </a:solidFill>
+              </a:rPr>
+              <a:t>クラス内のみ</a:t>
+            </a:r>
+          </a:p>
+        </p:txBody>
+      </p:sp>
+      <p:cxnSp>
+        <p:nvCxnSpPr>
+          <p:cNvPr id="21" name="直線矢印コネクタ 20">
+            <a:extLst>
+              <a:ext uri="{FF2B5EF4-FFF2-40B4-BE49-F238E27FC236}">
+                <a16:creationId xmlns:a16="http://schemas.microsoft.com/office/drawing/2014/main" id="{D31C28A1-000C-491E-AB63-D1E01C7280A1}"/>
+              </a:ext>
+            </a:extLst>
+          </p:cNvPr>
+          <p:cNvCxnSpPr>
+            <a:stCxn id="3" idx="0"/>
+            <a:endCxn id="2" idx="2"/>
+          </p:cNvCxnSpPr>
+          <p:nvPr/>
+        </p:nvCxnSpPr>
+        <p:spPr>
+          <a:xfrm flipV="1">
+            <a:off x="3154680" y="1088136"/>
+            <a:ext cx="0" cy="182880"/>
+          </a:xfrm>
+          <a:prstGeom prst="straightConnector1">
+            <a:avLst/>
+          </a:prstGeom>
+          <a:ln>
+            <a:solidFill>
+              <a:schemeClr val="accent1">
+                <a:lumMod val="40000"/>
+                <a:lumOff val="60000"/>
+              </a:schemeClr>
+            </a:solidFill>
+            <a:tailEnd type="triangle"/>
+          </a:ln>
+        </p:spPr>
+        <p:style>
+          <a:lnRef idx="1">
+            <a:schemeClr val="accent1"/>
+          </a:lnRef>
+          <a:fillRef idx="0">
+            <a:schemeClr val="accent1"/>
+          </a:fillRef>
+          <a:effectRef idx="0">
+            <a:schemeClr val="accent1"/>
+          </a:effectRef>
+          <a:fontRef idx="minor">
+            <a:schemeClr val="tx1"/>
+          </a:fontRef>
+        </p:style>
+      </p:cxnSp>
+      <p:sp>
+        <p:nvSpPr>
+          <p:cNvPr id="22" name="正方形/長方形 21">
+            <a:extLst>
+              <a:ext uri="{FF2B5EF4-FFF2-40B4-BE49-F238E27FC236}">
+                <a16:creationId xmlns:a16="http://schemas.microsoft.com/office/drawing/2014/main" id="{F6F5A8A4-8011-4202-B311-12CF1D0C511A}"/>
+              </a:ext>
+            </a:extLst>
+          </p:cNvPr>
+          <p:cNvSpPr/>
+          <p:nvPr/>
+        </p:nvSpPr>
+        <p:spPr>
+          <a:xfrm>
+            <a:off x="2615184" y="1410852"/>
+            <a:ext cx="539496" cy="129133"/>
+          </a:xfrm>
+          <a:prstGeom prst="rect">
+            <a:avLst/>
+          </a:prstGeom>
+          <a:noFill/>
+          <a:ln>
+            <a:noFill/>
+          </a:ln>
+        </p:spPr>
+        <p:style>
+          <a:lnRef idx="2">
+            <a:schemeClr val="accent3"/>
+          </a:lnRef>
+          <a:fillRef idx="1">
+            <a:schemeClr val="lt1"/>
+          </a:fillRef>
+          <a:effectRef idx="0">
+            <a:schemeClr val="accent3"/>
+          </a:effectRef>
+          <a:fontRef idx="minor">
+            <a:schemeClr val="dk1"/>
+          </a:fontRef>
+        </p:style>
+        <p:txBody>
+          <a:bodyPr lIns="36000" tIns="36000" rIns="36000" bIns="36000" rtlCol="0" anchor="ctr"/>
+          <a:lstStyle/>
+          <a:p>
+            <a:pPr algn="ctr"/>
+            <a:endParaRPr kumimoji="1" lang="ja-JP" altLang="en-US" sz="1000" dirty="0"/>
+          </a:p>
+        </p:txBody>
+      </p:sp>
+      <p:sp>
+        <p:nvSpPr>
+          <p:cNvPr id="23" name="正方形/長方形 22">
+            <a:extLst>
+              <a:ext uri="{FF2B5EF4-FFF2-40B4-BE49-F238E27FC236}">
+                <a16:creationId xmlns:a16="http://schemas.microsoft.com/office/drawing/2014/main" id="{F3C55802-12D4-44E8-8B7F-771EBF7A75C9}"/>
+              </a:ext>
+            </a:extLst>
+          </p:cNvPr>
+          <p:cNvSpPr/>
+          <p:nvPr/>
+        </p:nvSpPr>
+        <p:spPr>
+          <a:xfrm>
+            <a:off x="3154681" y="1410852"/>
+            <a:ext cx="539496" cy="129133"/>
+          </a:xfrm>
+          <a:prstGeom prst="rect">
+            <a:avLst/>
+          </a:prstGeom>
+          <a:noFill/>
+          <a:ln>
+            <a:noFill/>
+          </a:ln>
+        </p:spPr>
+        <p:style>
+          <a:lnRef idx="2">
+            <a:schemeClr val="accent3"/>
+          </a:lnRef>
+          <a:fillRef idx="1">
+            <a:schemeClr val="lt1"/>
+          </a:fillRef>
+          <a:effectRef idx="0">
+            <a:schemeClr val="accent3"/>
+          </a:effectRef>
+          <a:fontRef idx="minor">
+            <a:schemeClr val="dk1"/>
+          </a:fontRef>
+        </p:style>
+        <p:txBody>
+          <a:bodyPr lIns="36000" tIns="36000" rIns="36000" bIns="36000" rtlCol="0" anchor="ctr"/>
+          <a:lstStyle/>
+          <a:p>
+            <a:pPr algn="ctr"/>
+            <a:endParaRPr kumimoji="1" lang="ja-JP" altLang="en-US" sz="1000" dirty="0"/>
+          </a:p>
+        </p:txBody>
+      </p:sp>
+      <p:sp>
+        <p:nvSpPr>
+          <p:cNvPr id="24" name="正方形/長方形 23">
+            <a:extLst>
+              <a:ext uri="{FF2B5EF4-FFF2-40B4-BE49-F238E27FC236}">
+                <a16:creationId xmlns:a16="http://schemas.microsoft.com/office/drawing/2014/main" id="{A6FA4946-E2B1-415B-82CD-D61FE4296A4C}"/>
+              </a:ext>
+            </a:extLst>
+          </p:cNvPr>
+          <p:cNvSpPr/>
+          <p:nvPr/>
+        </p:nvSpPr>
+        <p:spPr>
+          <a:xfrm>
+            <a:off x="2615184" y="2144156"/>
+            <a:ext cx="539496" cy="129133"/>
+          </a:xfrm>
+          <a:prstGeom prst="rect">
+            <a:avLst/>
+          </a:prstGeom>
+          <a:noFill/>
+          <a:ln>
+            <a:noFill/>
+          </a:ln>
+        </p:spPr>
+        <p:style>
+          <a:lnRef idx="2">
+            <a:schemeClr val="accent3"/>
+          </a:lnRef>
+          <a:fillRef idx="1">
+            <a:schemeClr val="lt1"/>
+          </a:fillRef>
+          <a:effectRef idx="0">
+            <a:schemeClr val="accent3"/>
+          </a:effectRef>
+          <a:fontRef idx="minor">
+            <a:schemeClr val="dk1"/>
+          </a:fontRef>
+        </p:style>
+        <p:txBody>
+          <a:bodyPr lIns="36000" tIns="36000" rIns="36000" bIns="36000" rtlCol="0" anchor="ctr"/>
+          <a:lstStyle/>
+          <a:p>
+            <a:pPr algn="ctr"/>
+            <a:endParaRPr kumimoji="1" lang="ja-JP" altLang="en-US" sz="1000" dirty="0"/>
+          </a:p>
+        </p:txBody>
+      </p:sp>
+      <p:sp>
+        <p:nvSpPr>
+          <p:cNvPr id="25" name="正方形/長方形 24">
+            <a:extLst>
+              <a:ext uri="{FF2B5EF4-FFF2-40B4-BE49-F238E27FC236}">
+                <a16:creationId xmlns:a16="http://schemas.microsoft.com/office/drawing/2014/main" id="{82965EA9-197D-4007-B615-7C6DAB3853B0}"/>
+              </a:ext>
+            </a:extLst>
+          </p:cNvPr>
+          <p:cNvSpPr/>
+          <p:nvPr/>
+        </p:nvSpPr>
+        <p:spPr>
+          <a:xfrm>
+            <a:off x="3154681" y="2144156"/>
+            <a:ext cx="539496" cy="129133"/>
+          </a:xfrm>
+          <a:prstGeom prst="rect">
+            <a:avLst/>
+          </a:prstGeom>
+          <a:noFill/>
+          <a:ln>
+            <a:noFill/>
+          </a:ln>
+        </p:spPr>
+        <p:style>
+          <a:lnRef idx="2">
+            <a:schemeClr val="accent3"/>
+          </a:lnRef>
+          <a:fillRef idx="1">
+            <a:schemeClr val="lt1"/>
+          </a:fillRef>
+          <a:effectRef idx="0">
+            <a:schemeClr val="accent3"/>
+          </a:effectRef>
+          <a:fontRef idx="minor">
+            <a:schemeClr val="dk1"/>
+          </a:fontRef>
+        </p:style>
+        <p:txBody>
+          <a:bodyPr lIns="36000" tIns="36000" rIns="36000" bIns="36000" rtlCol="0" anchor="ctr"/>
+          <a:lstStyle/>
+          <a:p>
+            <a:pPr algn="ctr"/>
+            <a:endParaRPr kumimoji="1" lang="ja-JP" altLang="en-US" sz="1000" dirty="0"/>
+          </a:p>
+        </p:txBody>
+      </p:sp>
+      <p:cxnSp>
+        <p:nvCxnSpPr>
+          <p:cNvPr id="27" name="直線矢印コネクタ 26">
+            <a:extLst>
+              <a:ext uri="{FF2B5EF4-FFF2-40B4-BE49-F238E27FC236}">
+                <a16:creationId xmlns:a16="http://schemas.microsoft.com/office/drawing/2014/main" id="{58DC25B6-D1A3-4676-8FA5-4BB021D2AAAF}"/>
+              </a:ext>
+            </a:extLst>
+          </p:cNvPr>
+          <p:cNvCxnSpPr>
+            <a:stCxn id="7" idx="0"/>
+            <a:endCxn id="22" idx="2"/>
+          </p:cNvCxnSpPr>
+          <p:nvPr/>
+        </p:nvCxnSpPr>
+        <p:spPr>
+          <a:xfrm flipV="1">
+            <a:off x="2625449" y="1539985"/>
+            <a:ext cx="259483" cy="169943"/>
+          </a:xfrm>
+          <a:prstGeom prst="straightConnector1">
+            <a:avLst/>
+          </a:prstGeom>
+          <a:ln>
+            <a:solidFill>
+              <a:schemeClr val="accent1">
+                <a:lumMod val="40000"/>
+                <a:lumOff val="60000"/>
+              </a:schemeClr>
+            </a:solidFill>
+            <a:tailEnd type="triangle"/>
+          </a:ln>
+        </p:spPr>
+        <p:style>
+          <a:lnRef idx="1">
+            <a:schemeClr val="accent1"/>
+          </a:lnRef>
+          <a:fillRef idx="0">
+            <a:schemeClr val="accent1"/>
+          </a:fillRef>
+          <a:effectRef idx="0">
+            <a:schemeClr val="accent1"/>
+          </a:effectRef>
+          <a:fontRef idx="minor">
+            <a:schemeClr val="tx1"/>
+          </a:fontRef>
+        </p:style>
+      </p:cxnSp>
+      <p:cxnSp>
+        <p:nvCxnSpPr>
+          <p:cNvPr id="29" name="直線矢印コネクタ 28">
+            <a:extLst>
+              <a:ext uri="{FF2B5EF4-FFF2-40B4-BE49-F238E27FC236}">
+                <a16:creationId xmlns:a16="http://schemas.microsoft.com/office/drawing/2014/main" id="{E9F6447F-621E-4F3A-A47C-EE05BAFE78B0}"/>
+              </a:ext>
+            </a:extLst>
+          </p:cNvPr>
+          <p:cNvCxnSpPr>
+            <a:stCxn id="9" idx="0"/>
+            <a:endCxn id="23" idx="2"/>
+          </p:cNvCxnSpPr>
+          <p:nvPr/>
+        </p:nvCxnSpPr>
+        <p:spPr>
+          <a:xfrm flipH="1" flipV="1">
+            <a:off x="3424429" y="1539985"/>
+            <a:ext cx="269747" cy="169943"/>
+          </a:xfrm>
+          <a:prstGeom prst="straightConnector1">
+            <a:avLst/>
+          </a:prstGeom>
+          <a:ln>
+            <a:solidFill>
+              <a:schemeClr val="accent1">
+                <a:lumMod val="40000"/>
+                <a:lumOff val="60000"/>
+              </a:schemeClr>
+            </a:solidFill>
+            <a:tailEnd type="triangle"/>
+          </a:ln>
+        </p:spPr>
+        <p:style>
+          <a:lnRef idx="1">
+            <a:schemeClr val="accent1"/>
+          </a:lnRef>
+          <a:fillRef idx="0">
+            <a:schemeClr val="accent1"/>
+          </a:fillRef>
+          <a:effectRef idx="0">
+            <a:schemeClr val="accent1"/>
+          </a:effectRef>
+          <a:fontRef idx="minor">
+            <a:schemeClr val="tx1"/>
+          </a:fontRef>
+        </p:style>
+      </p:cxnSp>
+      <p:cxnSp>
+        <p:nvCxnSpPr>
+          <p:cNvPr id="31" name="直線矢印コネクタ 30">
+            <a:extLst>
+              <a:ext uri="{FF2B5EF4-FFF2-40B4-BE49-F238E27FC236}">
+                <a16:creationId xmlns:a16="http://schemas.microsoft.com/office/drawing/2014/main" id="{33AFD60B-7566-4618-9433-FD3F5EC136E8}"/>
+              </a:ext>
+            </a:extLst>
+          </p:cNvPr>
+          <p:cNvCxnSpPr>
+            <a:stCxn id="24" idx="0"/>
+            <a:endCxn id="7" idx="2"/>
+          </p:cNvCxnSpPr>
+          <p:nvPr/>
+        </p:nvCxnSpPr>
+        <p:spPr>
+          <a:xfrm flipH="1" flipV="1">
+            <a:off x="2625449" y="1965960"/>
+            <a:ext cx="259483" cy="178196"/>
+          </a:xfrm>
+          <a:prstGeom prst="straightConnector1">
+            <a:avLst/>
+          </a:prstGeom>
+          <a:ln>
+            <a:solidFill>
+              <a:schemeClr val="accent1">
+                <a:lumMod val="40000"/>
+                <a:lumOff val="60000"/>
+              </a:schemeClr>
+            </a:solidFill>
+            <a:tailEnd type="triangle"/>
+          </a:ln>
+        </p:spPr>
+        <p:style>
+          <a:lnRef idx="1">
+            <a:schemeClr val="accent1"/>
+          </a:lnRef>
+          <a:fillRef idx="0">
+            <a:schemeClr val="accent1"/>
+          </a:fillRef>
+          <a:effectRef idx="0">
+            <a:schemeClr val="accent1"/>
+          </a:effectRef>
+          <a:fontRef idx="minor">
+            <a:schemeClr val="tx1"/>
+          </a:fontRef>
+        </p:style>
+      </p:cxnSp>
+      <p:cxnSp>
+        <p:nvCxnSpPr>
+          <p:cNvPr id="33" name="直線矢印コネクタ 32">
+            <a:extLst>
+              <a:ext uri="{FF2B5EF4-FFF2-40B4-BE49-F238E27FC236}">
+                <a16:creationId xmlns:a16="http://schemas.microsoft.com/office/drawing/2014/main" id="{880032C0-4289-4773-9ED0-2B2299DD0B5E}"/>
+              </a:ext>
+            </a:extLst>
+          </p:cNvPr>
+          <p:cNvCxnSpPr>
+            <a:stCxn id="25" idx="0"/>
+            <a:endCxn id="9" idx="2"/>
+          </p:cNvCxnSpPr>
+          <p:nvPr/>
+        </p:nvCxnSpPr>
+        <p:spPr>
+          <a:xfrm flipV="1">
+            <a:off x="3424429" y="1965960"/>
+            <a:ext cx="269747" cy="178196"/>
+          </a:xfrm>
+          <a:prstGeom prst="straightConnector1">
+            <a:avLst/>
+          </a:prstGeom>
+          <a:ln>
+            <a:solidFill>
+              <a:schemeClr val="accent1">
+                <a:lumMod val="40000"/>
+                <a:lumOff val="60000"/>
+              </a:schemeClr>
+            </a:solidFill>
+            <a:tailEnd type="triangle"/>
+          </a:ln>
+        </p:spPr>
+        <p:style>
+          <a:lnRef idx="1">
+            <a:schemeClr val="accent1"/>
+          </a:lnRef>
+          <a:fillRef idx="0">
+            <a:schemeClr val="accent1"/>
+          </a:fillRef>
+          <a:effectRef idx="0">
+            <a:schemeClr val="accent1"/>
+          </a:effectRef>
+          <a:fontRef idx="minor">
+            <a:schemeClr val="tx1"/>
+          </a:fontRef>
+        </p:style>
+      </p:cxnSp>
+      <p:cxnSp>
+        <p:nvCxnSpPr>
+          <p:cNvPr id="35" name="直線矢印コネクタ 34">
+            <a:extLst>
+              <a:ext uri="{FF2B5EF4-FFF2-40B4-BE49-F238E27FC236}">
+                <a16:creationId xmlns:a16="http://schemas.microsoft.com/office/drawing/2014/main" id="{45EC5FB0-6519-45E5-B6A9-F3F144B014C9}"/>
+              </a:ext>
+            </a:extLst>
+          </p:cNvPr>
+          <p:cNvCxnSpPr>
+            <a:stCxn id="6" idx="0"/>
+            <a:endCxn id="4" idx="2"/>
+          </p:cNvCxnSpPr>
+          <p:nvPr/>
+        </p:nvCxnSpPr>
+        <p:spPr>
+          <a:xfrm flipV="1">
+            <a:off x="3154680" y="2404872"/>
+            <a:ext cx="0" cy="182880"/>
+          </a:xfrm>
+          <a:prstGeom prst="straightConnector1">
+            <a:avLst/>
+          </a:prstGeom>
+          <a:ln>
+            <a:solidFill>
+              <a:schemeClr val="accent1">
+                <a:lumMod val="40000"/>
+                <a:lumOff val="60000"/>
+              </a:schemeClr>
+            </a:solidFill>
+            <a:tailEnd type="triangle"/>
+          </a:ln>
+        </p:spPr>
+        <p:style>
+          <a:lnRef idx="1">
+            <a:schemeClr val="accent1"/>
+          </a:lnRef>
+          <a:fillRef idx="0">
+            <a:schemeClr val="accent1"/>
+          </a:fillRef>
+          <a:effectRef idx="0">
+            <a:schemeClr val="accent1"/>
+          </a:effectRef>
+          <a:fontRef idx="minor">
+            <a:schemeClr val="tx1"/>
+          </a:fontRef>
+        </p:style>
+      </p:cxnSp>
+    </p:spTree>
+    <p:extLst>
+      <p:ext uri="{BB962C8B-B14F-4D97-AF65-F5344CB8AC3E}">
+        <p14:creationId xmlns:p14="http://schemas.microsoft.com/office/powerpoint/2010/main" val="1767975422"/>
+      </p:ext>
+    </p:extLst>
+  </p:cSld>
+  <p:clrMapOvr>
+    <a:masterClrMapping/>
+  </p:clrMapOvr>
+</p:sld>
+</file>
+
+<file path=ppt/slides/slide4.xml><?xml version="1.0" encoding="utf-8"?>
+<p:sld xmlns:a="http://schemas.openxmlformats.org/drawingml/2006/main" xmlns:r="http://schemas.openxmlformats.org/officeDocument/2006/relationships" xmlns:p="http://schemas.openxmlformats.org/presentationml/2006/main">
+  <p:cSld>
+    <p:spTree>
+      <p:nvGrpSpPr>
+        <p:cNvPr id="1" name=""/>
+        <p:cNvGrpSpPr/>
+        <p:nvPr/>
+      </p:nvGrpSpPr>
+      <p:grpSpPr>
+        <a:xfrm>
+          <a:off x="0" y="0"/>
+          <a:ext cx="0" cy="0"/>
+          <a:chOff x="0" y="0"/>
+          <a:chExt cx="0" cy="0"/>
+        </a:xfrm>
+      </p:grpSpPr>
+      <p:sp>
+        <p:nvSpPr>
+          <p:cNvPr id="10" name="矢印: 上下 9">
+            <a:extLst>
+              <a:ext uri="{FF2B5EF4-FFF2-40B4-BE49-F238E27FC236}">
+                <a16:creationId xmlns:a16="http://schemas.microsoft.com/office/drawing/2014/main" id="{47AAA05D-DFE5-4CE0-93E5-7A03B1679560}"/>
+              </a:ext>
+            </a:extLst>
+          </p:cNvPr>
+          <p:cNvSpPr/>
+          <p:nvPr/>
+        </p:nvSpPr>
+        <p:spPr>
+          <a:xfrm>
+            <a:off x="2127100" y="539496"/>
+            <a:ext cx="177187" cy="2596896"/>
+          </a:xfrm>
+          <a:prstGeom prst="upDownArrow">
+            <a:avLst/>
+          </a:prstGeom>
+        </p:spPr>
+        <p:style>
+          <a:lnRef idx="1">
+            <a:schemeClr val="accent1"/>
+          </a:lnRef>
+          <a:fillRef idx="2">
+            <a:schemeClr val="accent1"/>
+          </a:fillRef>
+          <a:effectRef idx="1">
+            <a:schemeClr val="accent1"/>
+          </a:effectRef>
+          <a:fontRef idx="minor">
+            <a:schemeClr val="dk1"/>
+          </a:fontRef>
+        </p:style>
+        <p:txBody>
+          <a:bodyPr lIns="36000" tIns="36000" rIns="36000" bIns="36000" rtlCol="0" anchor="ctr"/>
+          <a:lstStyle/>
+          <a:p>
+            <a:pPr algn="ctr"/>
+            <a:endParaRPr kumimoji="1" lang="ja-JP" altLang="en-US" sz="1000" dirty="0"/>
+          </a:p>
+        </p:txBody>
+      </p:sp>
+      <p:sp>
+        <p:nvSpPr>
+          <p:cNvPr id="2" name="四角形: 角を丸くする 1">
+            <a:extLst>
+              <a:ext uri="{FF2B5EF4-FFF2-40B4-BE49-F238E27FC236}">
+                <a16:creationId xmlns:a16="http://schemas.microsoft.com/office/drawing/2014/main" id="{09DB9D8C-3061-45D0-82EF-721CF3AAD0D9}"/>
+              </a:ext>
+            </a:extLst>
+          </p:cNvPr>
+          <p:cNvSpPr/>
+          <p:nvPr/>
+        </p:nvSpPr>
+        <p:spPr>
+          <a:xfrm>
+            <a:off x="2615184" y="832104"/>
+            <a:ext cx="1078992" cy="256032"/>
+          </a:xfrm>
+          <a:prstGeom prst="roundRect">
+            <a:avLst/>
+          </a:prstGeom>
+        </p:spPr>
+        <p:style>
+          <a:lnRef idx="2">
+            <a:schemeClr val="accent3"/>
+          </a:lnRef>
+          <a:fillRef idx="1">
+            <a:schemeClr val="lt1"/>
+          </a:fillRef>
+          <a:effectRef idx="0">
+            <a:schemeClr val="accent3"/>
+          </a:effectRef>
+          <a:fontRef idx="minor">
+            <a:schemeClr val="dk1"/>
+          </a:fontRef>
+        </p:style>
+        <p:txBody>
+          <a:bodyPr lIns="36000" tIns="36000" rIns="36000" bIns="36000" rtlCol="0" anchor="ctr"/>
+          <a:lstStyle/>
+          <a:p>
+            <a:pPr algn="ctr"/>
+            <a:r>
+              <a:rPr kumimoji="1" lang="en-US" altLang="ja-JP" sz="1000" dirty="0"/>
+              <a:t>public</a:t>
+            </a:r>
+            <a:endParaRPr kumimoji="1" lang="ja-JP" altLang="en-US" sz="1000" dirty="0"/>
+          </a:p>
+        </p:txBody>
+      </p:sp>
+      <p:sp>
+        <p:nvSpPr>
+          <p:cNvPr id="3" name="四角形: 角を丸くする 2">
+            <a:extLst>
+              <a:ext uri="{FF2B5EF4-FFF2-40B4-BE49-F238E27FC236}">
+                <a16:creationId xmlns:a16="http://schemas.microsoft.com/office/drawing/2014/main" id="{47FE6BFD-BE34-46FA-BA54-65527845002D}"/>
+              </a:ext>
+            </a:extLst>
+          </p:cNvPr>
+          <p:cNvSpPr/>
+          <p:nvPr/>
+        </p:nvSpPr>
+        <p:spPr>
+          <a:xfrm>
+            <a:off x="2615184" y="1271016"/>
+            <a:ext cx="1078992" cy="256032"/>
+          </a:xfrm>
+          <a:prstGeom prst="roundRect">
+            <a:avLst/>
+          </a:prstGeom>
+        </p:spPr>
+        <p:style>
+          <a:lnRef idx="2">
+            <a:schemeClr val="accent3"/>
+          </a:lnRef>
+          <a:fillRef idx="1">
+            <a:schemeClr val="lt1"/>
+          </a:fillRef>
+          <a:effectRef idx="0">
+            <a:schemeClr val="accent3"/>
+          </a:effectRef>
+          <a:fontRef idx="minor">
+            <a:schemeClr val="dk1"/>
+          </a:fontRef>
+        </p:style>
+        <p:txBody>
+          <a:bodyPr lIns="36000" tIns="36000" rIns="36000" bIns="36000" rtlCol="0" anchor="ctr"/>
+          <a:lstStyle/>
+          <a:p>
+            <a:pPr algn="ctr"/>
+            <a:r>
+              <a:rPr kumimoji="1" lang="en-US" altLang="ja-JP" sz="1000" dirty="0"/>
+              <a:t>protected internal</a:t>
+            </a:r>
+            <a:endParaRPr kumimoji="1" lang="ja-JP" altLang="en-US" sz="1000" dirty="0"/>
+          </a:p>
+        </p:txBody>
+      </p:sp>
+      <p:sp>
+        <p:nvSpPr>
+          <p:cNvPr id="4" name="四角形: 角を丸くする 3">
+            <a:extLst>
+              <a:ext uri="{FF2B5EF4-FFF2-40B4-BE49-F238E27FC236}">
+                <a16:creationId xmlns:a16="http://schemas.microsoft.com/office/drawing/2014/main" id="{6620CDCF-216E-4174-B2A7-9B4654C98F22}"/>
+              </a:ext>
+            </a:extLst>
+          </p:cNvPr>
+          <p:cNvSpPr/>
+          <p:nvPr/>
+        </p:nvSpPr>
+        <p:spPr>
+          <a:xfrm>
+            <a:off x="2615184" y="2148840"/>
+            <a:ext cx="1078992" cy="256032"/>
+          </a:xfrm>
+          <a:prstGeom prst="roundRect">
+            <a:avLst/>
+          </a:prstGeom>
+        </p:spPr>
+        <p:style>
+          <a:lnRef idx="2">
+            <a:schemeClr val="accent3"/>
+          </a:lnRef>
+          <a:fillRef idx="1">
+            <a:schemeClr val="lt1"/>
+          </a:fillRef>
+          <a:effectRef idx="0">
+            <a:schemeClr val="accent3"/>
+          </a:effectRef>
+          <a:fontRef idx="minor">
+            <a:schemeClr val="dk1"/>
+          </a:fontRef>
+        </p:style>
+        <p:txBody>
+          <a:bodyPr lIns="36000" tIns="36000" rIns="36000" bIns="36000" rtlCol="0" anchor="ctr"/>
+          <a:lstStyle/>
+          <a:p>
+            <a:pPr algn="ctr"/>
+            <a:r>
+              <a:rPr kumimoji="1" lang="en-US" altLang="ja-JP" sz="1000" dirty="0">
+                <a:solidFill>
+                  <a:srgbClr val="FF0000"/>
+                </a:solidFill>
+              </a:rPr>
+              <a:t>private protected</a:t>
+            </a:r>
+            <a:endParaRPr kumimoji="1" lang="ja-JP" altLang="en-US" sz="1000" dirty="0">
+              <a:solidFill>
+                <a:srgbClr val="FF0000"/>
+              </a:solidFill>
+            </a:endParaRPr>
+          </a:p>
+        </p:txBody>
+      </p:sp>
+      <p:sp>
+        <p:nvSpPr>
+          <p:cNvPr id="6" name="四角形: 角を丸くする 5">
+            <a:extLst>
+              <a:ext uri="{FF2B5EF4-FFF2-40B4-BE49-F238E27FC236}">
+                <a16:creationId xmlns:a16="http://schemas.microsoft.com/office/drawing/2014/main" id="{3270A79B-3C96-4664-9AEF-54A82D43BA3F}"/>
+              </a:ext>
+            </a:extLst>
+          </p:cNvPr>
+          <p:cNvSpPr/>
+          <p:nvPr/>
+        </p:nvSpPr>
+        <p:spPr>
+          <a:xfrm>
+            <a:off x="2615184" y="2587752"/>
+            <a:ext cx="1078992" cy="256032"/>
+          </a:xfrm>
+          <a:prstGeom prst="roundRect">
+            <a:avLst/>
+          </a:prstGeom>
+        </p:spPr>
+        <p:style>
+          <a:lnRef idx="2">
+            <a:schemeClr val="accent3"/>
+          </a:lnRef>
+          <a:fillRef idx="1">
+            <a:schemeClr val="lt1"/>
+          </a:fillRef>
+          <a:effectRef idx="0">
+            <a:schemeClr val="accent3"/>
+          </a:effectRef>
+          <a:fontRef idx="minor">
+            <a:schemeClr val="dk1"/>
+          </a:fontRef>
+        </p:style>
+        <p:txBody>
+          <a:bodyPr lIns="36000" tIns="36000" rIns="36000" bIns="36000" rtlCol="0" anchor="ctr"/>
+          <a:lstStyle/>
+          <a:p>
+            <a:pPr algn="ctr"/>
+            <a:r>
+              <a:rPr kumimoji="1" lang="en-US" altLang="ja-JP" sz="1000" dirty="0"/>
+              <a:t>private</a:t>
+            </a:r>
+            <a:endParaRPr kumimoji="1" lang="ja-JP" altLang="en-US" sz="1000" dirty="0"/>
+          </a:p>
+        </p:txBody>
+      </p:sp>
+      <p:sp>
+        <p:nvSpPr>
+          <p:cNvPr id="7" name="四角形: 角を丸くする 6">
+            <a:extLst>
+              <a:ext uri="{FF2B5EF4-FFF2-40B4-BE49-F238E27FC236}">
+                <a16:creationId xmlns:a16="http://schemas.microsoft.com/office/drawing/2014/main" id="{81F3CDAE-96CA-415A-B3EA-7AD8E6747A45}"/>
+              </a:ext>
+            </a:extLst>
+          </p:cNvPr>
+          <p:cNvSpPr/>
+          <p:nvPr/>
+        </p:nvSpPr>
+        <p:spPr>
+          <a:xfrm>
+            <a:off x="2304288" y="1709928"/>
+            <a:ext cx="642322" cy="256032"/>
+          </a:xfrm>
+          <a:prstGeom prst="roundRect">
+            <a:avLst/>
+          </a:prstGeom>
+        </p:spPr>
+        <p:style>
+          <a:lnRef idx="2">
+            <a:schemeClr val="accent3"/>
+          </a:lnRef>
+          <a:fillRef idx="1">
+            <a:schemeClr val="lt1"/>
+          </a:fillRef>
+          <a:effectRef idx="0">
+            <a:schemeClr val="accent3"/>
+          </a:effectRef>
+          <a:fontRef idx="minor">
+            <a:schemeClr val="dk1"/>
+          </a:fontRef>
+        </p:style>
+        <p:txBody>
+          <a:bodyPr lIns="36000" tIns="36000" rIns="36000" bIns="36000" rtlCol="0" anchor="ctr"/>
+          <a:lstStyle/>
+          <a:p>
+            <a:pPr algn="ctr"/>
+            <a:r>
+              <a:rPr kumimoji="1" lang="en-US" altLang="ja-JP" sz="1000" dirty="0"/>
+              <a:t>protected</a:t>
+            </a:r>
+            <a:endParaRPr kumimoji="1" lang="ja-JP" altLang="en-US" sz="1000" dirty="0"/>
+          </a:p>
+        </p:txBody>
+      </p:sp>
+      <p:sp>
+        <p:nvSpPr>
+          <p:cNvPr id="9" name="四角形: 角を丸くする 8">
+            <a:extLst>
+              <a:ext uri="{FF2B5EF4-FFF2-40B4-BE49-F238E27FC236}">
+                <a16:creationId xmlns:a16="http://schemas.microsoft.com/office/drawing/2014/main" id="{F26DF53D-187D-4E3F-8CF3-DA7C4F30C4F3}"/>
+              </a:ext>
+            </a:extLst>
+          </p:cNvPr>
+          <p:cNvSpPr/>
+          <p:nvPr/>
+        </p:nvSpPr>
+        <p:spPr>
+          <a:xfrm>
+            <a:off x="3373015" y="1709928"/>
+            <a:ext cx="642322" cy="256032"/>
+          </a:xfrm>
+          <a:prstGeom prst="roundRect">
+            <a:avLst/>
+          </a:prstGeom>
+        </p:spPr>
+        <p:style>
+          <a:lnRef idx="2">
+            <a:schemeClr val="accent3"/>
+          </a:lnRef>
+          <a:fillRef idx="1">
+            <a:schemeClr val="lt1"/>
+          </a:fillRef>
+          <a:effectRef idx="0">
+            <a:schemeClr val="accent3"/>
+          </a:effectRef>
+          <a:fontRef idx="minor">
+            <a:schemeClr val="dk1"/>
+          </a:fontRef>
+        </p:style>
+        <p:txBody>
+          <a:bodyPr lIns="36000" tIns="36000" rIns="36000" bIns="36000" rtlCol="0" anchor="ctr"/>
+          <a:lstStyle/>
+          <a:p>
+            <a:pPr algn="ctr"/>
+            <a:r>
+              <a:rPr kumimoji="1" lang="en-US" altLang="ja-JP" sz="1000" dirty="0"/>
+              <a:t>internal</a:t>
+            </a:r>
+            <a:endParaRPr kumimoji="1" lang="ja-JP" altLang="en-US" sz="1000" dirty="0"/>
+          </a:p>
+        </p:txBody>
+      </p:sp>
+      <p:sp>
+        <p:nvSpPr>
+          <p:cNvPr id="11" name="テキスト ボックス 10">
+            <a:extLst>
+              <a:ext uri="{FF2B5EF4-FFF2-40B4-BE49-F238E27FC236}">
+                <a16:creationId xmlns:a16="http://schemas.microsoft.com/office/drawing/2014/main" id="{DCFD6FA9-91D6-4527-B594-94B011BBE33C}"/>
+              </a:ext>
+            </a:extLst>
+          </p:cNvPr>
+          <p:cNvSpPr txBox="1"/>
+          <p:nvPr/>
+        </p:nvSpPr>
+        <p:spPr>
+          <a:xfrm>
+            <a:off x="2304288" y="413264"/>
+            <a:ext cx="1611586" cy="380480"/>
+          </a:xfrm>
+          <a:prstGeom prst="rect">
+            <a:avLst/>
+          </a:prstGeom>
+          <a:noFill/>
+        </p:spPr>
+        <p:txBody>
+          <a:bodyPr wrap="none" lIns="36000" tIns="36000" rIns="36000" bIns="36000" rtlCol="0">
+            <a:spAutoFit/>
+          </a:bodyPr>
+          <a:lstStyle/>
+          <a:p>
+            <a:r>
+              <a:rPr lang="ja-JP" altLang="en-US" sz="1000" dirty="0"/>
+              <a:t>制限が緩い</a:t>
+            </a:r>
+            <a:endParaRPr lang="en-US" altLang="ja-JP" sz="1000" dirty="0"/>
+          </a:p>
+          <a:p>
+            <a:r>
+              <a:rPr lang="ja-JP" altLang="en-US" sz="1000" dirty="0"/>
+              <a:t>アクセスできる範囲が広い</a:t>
+            </a:r>
+            <a:endParaRPr kumimoji="1" lang="ja-JP" altLang="en-US" sz="1000" dirty="0"/>
+          </a:p>
+        </p:txBody>
+      </p:sp>
+      <p:sp>
+        <p:nvSpPr>
+          <p:cNvPr id="12" name="テキスト ボックス 11">
+            <a:extLst>
+              <a:ext uri="{FF2B5EF4-FFF2-40B4-BE49-F238E27FC236}">
+                <a16:creationId xmlns:a16="http://schemas.microsoft.com/office/drawing/2014/main" id="{2AB79647-969A-4E37-B1F5-287963F86E50}"/>
+              </a:ext>
+            </a:extLst>
+          </p:cNvPr>
+          <p:cNvSpPr txBox="1"/>
+          <p:nvPr/>
+        </p:nvSpPr>
+        <p:spPr>
+          <a:xfrm>
+            <a:off x="2304288" y="2920504"/>
+            <a:ext cx="1611586" cy="380480"/>
+          </a:xfrm>
+          <a:prstGeom prst="rect">
+            <a:avLst/>
+          </a:prstGeom>
+          <a:noFill/>
+        </p:spPr>
+        <p:txBody>
+          <a:bodyPr wrap="none" lIns="36000" tIns="36000" rIns="36000" bIns="36000" rtlCol="0">
+            <a:spAutoFit/>
+          </a:bodyPr>
+          <a:lstStyle/>
+          <a:p>
+            <a:r>
+              <a:rPr lang="ja-JP" altLang="en-US" sz="1000" dirty="0"/>
+              <a:t>制限が厳しい</a:t>
+            </a:r>
+            <a:endParaRPr lang="en-US" altLang="ja-JP" sz="1000" dirty="0"/>
+          </a:p>
+          <a:p>
+            <a:r>
+              <a:rPr lang="ja-JP" altLang="en-US" sz="1000" dirty="0"/>
+              <a:t>アクセスできる範囲が狭い</a:t>
+            </a:r>
+            <a:endParaRPr kumimoji="1" lang="ja-JP" altLang="en-US" sz="1000" dirty="0"/>
+          </a:p>
+        </p:txBody>
+      </p:sp>
+      <p:sp>
+        <p:nvSpPr>
+          <p:cNvPr id="14" name="テキスト ボックス 13">
+            <a:extLst>
+              <a:ext uri="{FF2B5EF4-FFF2-40B4-BE49-F238E27FC236}">
+                <a16:creationId xmlns:a16="http://schemas.microsoft.com/office/drawing/2014/main" id="{DE41464A-0C9E-4D27-A4BA-E6931FBADF3C}"/>
+              </a:ext>
+            </a:extLst>
+          </p:cNvPr>
+          <p:cNvSpPr txBox="1"/>
+          <p:nvPr/>
+        </p:nvSpPr>
+        <p:spPr>
+          <a:xfrm>
+            <a:off x="3785616" y="899905"/>
+            <a:ext cx="765200" cy="211203"/>
+          </a:xfrm>
+          <a:prstGeom prst="rect">
+            <a:avLst/>
+          </a:prstGeom>
+          <a:noFill/>
+        </p:spPr>
+        <p:txBody>
+          <a:bodyPr wrap="none" lIns="36000" tIns="36000" rIns="36000" bIns="36000" rtlCol="0">
+            <a:spAutoFit/>
+          </a:bodyPr>
+          <a:lstStyle/>
+          <a:p>
+            <a:r>
+              <a:rPr kumimoji="1" lang="ja-JP" altLang="en-US" sz="900" dirty="0">
+                <a:solidFill>
+                  <a:schemeClr val="accent1">
+                    <a:lumMod val="60000"/>
+                    <a:lumOff val="40000"/>
+                  </a:schemeClr>
+                </a:solidFill>
+              </a:rPr>
+              <a:t>どこからでも</a:t>
+            </a:r>
+          </a:p>
+        </p:txBody>
+      </p:sp>
+      <p:sp>
+        <p:nvSpPr>
+          <p:cNvPr id="15" name="テキスト ボックス 14">
+            <a:extLst>
+              <a:ext uri="{FF2B5EF4-FFF2-40B4-BE49-F238E27FC236}">
+                <a16:creationId xmlns:a16="http://schemas.microsoft.com/office/drawing/2014/main" id="{F7480A89-7628-4C4B-AC46-7FF9DF2AC798}"/>
+              </a:ext>
+            </a:extLst>
+          </p:cNvPr>
+          <p:cNvSpPr txBox="1"/>
+          <p:nvPr/>
+        </p:nvSpPr>
+        <p:spPr>
+          <a:xfrm>
+            <a:off x="3785616" y="1338817"/>
+            <a:ext cx="1393578" cy="211203"/>
+          </a:xfrm>
+          <a:prstGeom prst="rect">
+            <a:avLst/>
+          </a:prstGeom>
+          <a:noFill/>
+        </p:spPr>
+        <p:txBody>
+          <a:bodyPr wrap="none" lIns="36000" tIns="36000" rIns="36000" bIns="36000" rtlCol="0">
+            <a:spAutoFit/>
+          </a:bodyPr>
+          <a:lstStyle/>
+          <a:p>
+            <a:r>
+              <a:rPr kumimoji="1" lang="ja-JP" altLang="en-US" sz="900" dirty="0">
+                <a:solidFill>
+                  <a:schemeClr val="accent1">
+                    <a:lumMod val="60000"/>
+                    <a:lumOff val="40000"/>
+                  </a:schemeClr>
+                </a:solidFill>
+              </a:rPr>
+              <a:t>派生 または 同アセンブリ</a:t>
+            </a:r>
+          </a:p>
+        </p:txBody>
+      </p:sp>
+      <p:sp>
+        <p:nvSpPr>
+          <p:cNvPr id="16" name="テキスト ボックス 15">
+            <a:extLst>
+              <a:ext uri="{FF2B5EF4-FFF2-40B4-BE49-F238E27FC236}">
+                <a16:creationId xmlns:a16="http://schemas.microsoft.com/office/drawing/2014/main" id="{F404CEC2-F206-4A4F-A29A-421D171831F2}"/>
+              </a:ext>
+            </a:extLst>
+          </p:cNvPr>
+          <p:cNvSpPr txBox="1"/>
+          <p:nvPr/>
+        </p:nvSpPr>
+        <p:spPr>
+          <a:xfrm>
+            <a:off x="4015785" y="1777729"/>
+            <a:ext cx="765200" cy="211203"/>
+          </a:xfrm>
+          <a:prstGeom prst="rect">
+            <a:avLst/>
+          </a:prstGeom>
+          <a:noFill/>
+        </p:spPr>
+        <p:txBody>
+          <a:bodyPr wrap="none" lIns="36000" tIns="36000" rIns="36000" bIns="36000" rtlCol="0">
+            <a:spAutoFit/>
+          </a:bodyPr>
+          <a:lstStyle/>
+          <a:p>
+            <a:r>
+              <a:rPr kumimoji="1" lang="ja-JP" altLang="en-US" sz="900" dirty="0">
+                <a:solidFill>
+                  <a:schemeClr val="accent1">
+                    <a:lumMod val="60000"/>
+                    <a:lumOff val="40000"/>
+                  </a:schemeClr>
+                </a:solidFill>
+              </a:rPr>
+              <a:t>同アセンブリ</a:t>
+            </a:r>
+          </a:p>
+        </p:txBody>
+      </p:sp>
+      <p:sp>
+        <p:nvSpPr>
+          <p:cNvPr id="17" name="テキスト ボックス 16">
+            <a:extLst>
+              <a:ext uri="{FF2B5EF4-FFF2-40B4-BE49-F238E27FC236}">
+                <a16:creationId xmlns:a16="http://schemas.microsoft.com/office/drawing/2014/main" id="{C2AF0454-5F70-487E-BE6C-896CDF352E6E}"/>
+              </a:ext>
+            </a:extLst>
+          </p:cNvPr>
+          <p:cNvSpPr txBox="1"/>
+          <p:nvPr/>
+        </p:nvSpPr>
+        <p:spPr>
+          <a:xfrm>
+            <a:off x="2946610" y="1777729"/>
+            <a:ext cx="303536" cy="211203"/>
+          </a:xfrm>
+          <a:prstGeom prst="rect">
+            <a:avLst/>
+          </a:prstGeom>
+          <a:noFill/>
+        </p:spPr>
+        <p:txBody>
+          <a:bodyPr wrap="none" lIns="36000" tIns="36000" rIns="36000" bIns="36000" rtlCol="0">
+            <a:spAutoFit/>
+          </a:bodyPr>
+          <a:lstStyle/>
+          <a:p>
+            <a:r>
+              <a:rPr kumimoji="1" lang="ja-JP" altLang="en-US" sz="900" dirty="0">
+                <a:solidFill>
+                  <a:schemeClr val="accent1">
+                    <a:lumMod val="60000"/>
+                    <a:lumOff val="40000"/>
+                  </a:schemeClr>
+                </a:solidFill>
+              </a:rPr>
+              <a:t>派生</a:t>
+            </a:r>
+          </a:p>
+        </p:txBody>
+      </p:sp>
+      <p:sp>
+        <p:nvSpPr>
+          <p:cNvPr id="18" name="テキスト ボックス 17">
+            <a:extLst>
+              <a:ext uri="{FF2B5EF4-FFF2-40B4-BE49-F238E27FC236}">
+                <a16:creationId xmlns:a16="http://schemas.microsoft.com/office/drawing/2014/main" id="{C5959461-4311-44E7-8858-8F5EEE85A263}"/>
+              </a:ext>
+            </a:extLst>
+          </p:cNvPr>
+          <p:cNvSpPr txBox="1"/>
+          <p:nvPr/>
+        </p:nvSpPr>
+        <p:spPr>
+          <a:xfrm>
+            <a:off x="3785616" y="2216641"/>
+            <a:ext cx="1278161" cy="211203"/>
+          </a:xfrm>
+          <a:prstGeom prst="rect">
+            <a:avLst/>
+          </a:prstGeom>
+          <a:noFill/>
+        </p:spPr>
+        <p:txBody>
+          <a:bodyPr wrap="none" lIns="36000" tIns="36000" rIns="36000" bIns="36000" rtlCol="0">
+            <a:spAutoFit/>
+          </a:bodyPr>
+          <a:lstStyle/>
+          <a:p>
+            <a:r>
+              <a:rPr kumimoji="1" lang="ja-JP" altLang="en-US" sz="900" dirty="0">
+                <a:solidFill>
+                  <a:srgbClr val="FF0000"/>
+                </a:solidFill>
+              </a:rPr>
+              <a:t>派生 かつ 同アセンブリ</a:t>
+            </a:r>
+          </a:p>
+        </p:txBody>
+      </p:sp>
+      <p:sp>
+        <p:nvSpPr>
+          <p:cNvPr id="19" name="テキスト ボックス 18">
+            <a:extLst>
+              <a:ext uri="{FF2B5EF4-FFF2-40B4-BE49-F238E27FC236}">
+                <a16:creationId xmlns:a16="http://schemas.microsoft.com/office/drawing/2014/main" id="{7AB22831-3535-4128-9A51-26509D8A0F81}"/>
+              </a:ext>
+            </a:extLst>
+          </p:cNvPr>
+          <p:cNvSpPr txBox="1"/>
+          <p:nvPr/>
+        </p:nvSpPr>
+        <p:spPr>
+          <a:xfrm>
+            <a:off x="3785616" y="2655553"/>
+            <a:ext cx="765200" cy="211203"/>
+          </a:xfrm>
+          <a:prstGeom prst="rect">
+            <a:avLst/>
+          </a:prstGeom>
+          <a:noFill/>
+        </p:spPr>
+        <p:txBody>
+          <a:bodyPr wrap="none" lIns="36000" tIns="36000" rIns="36000" bIns="36000" rtlCol="0">
+            <a:spAutoFit/>
+          </a:bodyPr>
+          <a:lstStyle/>
+          <a:p>
+            <a:r>
+              <a:rPr kumimoji="1" lang="ja-JP" altLang="en-US" sz="900" dirty="0">
+                <a:solidFill>
+                  <a:schemeClr val="accent1">
+                    <a:lumMod val="60000"/>
+                    <a:lumOff val="40000"/>
+                  </a:schemeClr>
+                </a:solidFill>
+              </a:rPr>
+              <a:t>クラス内のみ</a:t>
+            </a:r>
+          </a:p>
+        </p:txBody>
+      </p:sp>
+      <p:cxnSp>
+        <p:nvCxnSpPr>
+          <p:cNvPr id="21" name="直線矢印コネクタ 20">
+            <a:extLst>
+              <a:ext uri="{FF2B5EF4-FFF2-40B4-BE49-F238E27FC236}">
+                <a16:creationId xmlns:a16="http://schemas.microsoft.com/office/drawing/2014/main" id="{D31C28A1-000C-491E-AB63-D1E01C7280A1}"/>
+              </a:ext>
+            </a:extLst>
+          </p:cNvPr>
+          <p:cNvCxnSpPr>
+            <a:stCxn id="3" idx="0"/>
+            <a:endCxn id="2" idx="2"/>
+          </p:cNvCxnSpPr>
+          <p:nvPr/>
+        </p:nvCxnSpPr>
+        <p:spPr>
+          <a:xfrm flipV="1">
+            <a:off x="3154680" y="1088136"/>
+            <a:ext cx="0" cy="182880"/>
+          </a:xfrm>
+          <a:prstGeom prst="straightConnector1">
+            <a:avLst/>
+          </a:prstGeom>
+          <a:ln>
+            <a:solidFill>
+              <a:schemeClr val="accent1">
+                <a:lumMod val="40000"/>
+                <a:lumOff val="60000"/>
+              </a:schemeClr>
+            </a:solidFill>
+            <a:tailEnd type="triangle"/>
+          </a:ln>
+        </p:spPr>
+        <p:style>
+          <a:lnRef idx="1">
+            <a:schemeClr val="accent1"/>
+          </a:lnRef>
+          <a:fillRef idx="0">
+            <a:schemeClr val="accent1"/>
+          </a:fillRef>
+          <a:effectRef idx="0">
+            <a:schemeClr val="accent1"/>
+          </a:effectRef>
+          <a:fontRef idx="minor">
+            <a:schemeClr val="tx1"/>
+          </a:fontRef>
+        </p:style>
+      </p:cxnSp>
+      <p:sp>
+        <p:nvSpPr>
+          <p:cNvPr id="22" name="正方形/長方形 21">
+            <a:extLst>
+              <a:ext uri="{FF2B5EF4-FFF2-40B4-BE49-F238E27FC236}">
+                <a16:creationId xmlns:a16="http://schemas.microsoft.com/office/drawing/2014/main" id="{F6F5A8A4-8011-4202-B311-12CF1D0C511A}"/>
+              </a:ext>
+            </a:extLst>
+          </p:cNvPr>
+          <p:cNvSpPr/>
+          <p:nvPr/>
+        </p:nvSpPr>
+        <p:spPr>
+          <a:xfrm>
+            <a:off x="2615184" y="1410852"/>
+            <a:ext cx="539496" cy="129133"/>
+          </a:xfrm>
+          <a:prstGeom prst="rect">
+            <a:avLst/>
+          </a:prstGeom>
+          <a:noFill/>
+          <a:ln>
+            <a:noFill/>
+          </a:ln>
+        </p:spPr>
+        <p:style>
+          <a:lnRef idx="2">
+            <a:schemeClr val="accent3"/>
+          </a:lnRef>
+          <a:fillRef idx="1">
+            <a:schemeClr val="lt1"/>
+          </a:fillRef>
+          <a:effectRef idx="0">
+            <a:schemeClr val="accent3"/>
+          </a:effectRef>
+          <a:fontRef idx="minor">
+            <a:schemeClr val="dk1"/>
+          </a:fontRef>
+        </p:style>
+        <p:txBody>
+          <a:bodyPr lIns="36000" tIns="36000" rIns="36000" bIns="36000" rtlCol="0" anchor="ctr"/>
+          <a:lstStyle/>
+          <a:p>
+            <a:pPr algn="ctr"/>
+            <a:endParaRPr kumimoji="1" lang="ja-JP" altLang="en-US" sz="1000" dirty="0"/>
+          </a:p>
+        </p:txBody>
+      </p:sp>
+      <p:sp>
+        <p:nvSpPr>
+          <p:cNvPr id="23" name="正方形/長方形 22">
+            <a:extLst>
+              <a:ext uri="{FF2B5EF4-FFF2-40B4-BE49-F238E27FC236}">
+                <a16:creationId xmlns:a16="http://schemas.microsoft.com/office/drawing/2014/main" id="{F3C55802-12D4-44E8-8B7F-771EBF7A75C9}"/>
+              </a:ext>
+            </a:extLst>
+          </p:cNvPr>
+          <p:cNvSpPr/>
+          <p:nvPr/>
+        </p:nvSpPr>
+        <p:spPr>
+          <a:xfrm>
+            <a:off x="3154681" y="1410852"/>
+            <a:ext cx="539496" cy="129133"/>
+          </a:xfrm>
+          <a:prstGeom prst="rect">
+            <a:avLst/>
+          </a:prstGeom>
+          <a:noFill/>
+          <a:ln>
+            <a:noFill/>
+          </a:ln>
+        </p:spPr>
+        <p:style>
+          <a:lnRef idx="2">
+            <a:schemeClr val="accent3"/>
+          </a:lnRef>
+          <a:fillRef idx="1">
+            <a:schemeClr val="lt1"/>
+          </a:fillRef>
+          <a:effectRef idx="0">
+            <a:schemeClr val="accent3"/>
+          </a:effectRef>
+          <a:fontRef idx="minor">
+            <a:schemeClr val="dk1"/>
+          </a:fontRef>
+        </p:style>
+        <p:txBody>
+          <a:bodyPr lIns="36000" tIns="36000" rIns="36000" bIns="36000" rtlCol="0" anchor="ctr"/>
+          <a:lstStyle/>
+          <a:p>
+            <a:pPr algn="ctr"/>
+            <a:endParaRPr kumimoji="1" lang="ja-JP" altLang="en-US" sz="1000" dirty="0"/>
+          </a:p>
+        </p:txBody>
+      </p:sp>
+      <p:sp>
+        <p:nvSpPr>
+          <p:cNvPr id="24" name="正方形/長方形 23">
+            <a:extLst>
+              <a:ext uri="{FF2B5EF4-FFF2-40B4-BE49-F238E27FC236}">
+                <a16:creationId xmlns:a16="http://schemas.microsoft.com/office/drawing/2014/main" id="{A6FA4946-E2B1-415B-82CD-D61FE4296A4C}"/>
+              </a:ext>
+            </a:extLst>
+          </p:cNvPr>
+          <p:cNvSpPr/>
+          <p:nvPr/>
+        </p:nvSpPr>
+        <p:spPr>
+          <a:xfrm>
+            <a:off x="2615184" y="2144156"/>
+            <a:ext cx="539496" cy="129133"/>
+          </a:xfrm>
+          <a:prstGeom prst="rect">
+            <a:avLst/>
+          </a:prstGeom>
+          <a:noFill/>
+          <a:ln>
+            <a:noFill/>
+          </a:ln>
+        </p:spPr>
+        <p:style>
+          <a:lnRef idx="2">
+            <a:schemeClr val="accent3"/>
+          </a:lnRef>
+          <a:fillRef idx="1">
+            <a:schemeClr val="lt1"/>
+          </a:fillRef>
+          <a:effectRef idx="0">
+            <a:schemeClr val="accent3"/>
+          </a:effectRef>
+          <a:fontRef idx="minor">
+            <a:schemeClr val="dk1"/>
+          </a:fontRef>
+        </p:style>
+        <p:txBody>
+          <a:bodyPr lIns="36000" tIns="36000" rIns="36000" bIns="36000" rtlCol="0" anchor="ctr"/>
+          <a:lstStyle/>
+          <a:p>
+            <a:pPr algn="ctr"/>
+            <a:endParaRPr kumimoji="1" lang="ja-JP" altLang="en-US" sz="1000" dirty="0"/>
+          </a:p>
+        </p:txBody>
+      </p:sp>
+      <p:sp>
+        <p:nvSpPr>
+          <p:cNvPr id="25" name="正方形/長方形 24">
+            <a:extLst>
+              <a:ext uri="{FF2B5EF4-FFF2-40B4-BE49-F238E27FC236}">
+                <a16:creationId xmlns:a16="http://schemas.microsoft.com/office/drawing/2014/main" id="{82965EA9-197D-4007-B615-7C6DAB3853B0}"/>
+              </a:ext>
+            </a:extLst>
+          </p:cNvPr>
+          <p:cNvSpPr/>
+          <p:nvPr/>
+        </p:nvSpPr>
+        <p:spPr>
+          <a:xfrm>
+            <a:off x="3154681" y="2144156"/>
+            <a:ext cx="539496" cy="129133"/>
+          </a:xfrm>
+          <a:prstGeom prst="rect">
+            <a:avLst/>
+          </a:prstGeom>
+          <a:noFill/>
+          <a:ln>
+            <a:noFill/>
+          </a:ln>
+        </p:spPr>
+        <p:style>
+          <a:lnRef idx="2">
+            <a:schemeClr val="accent3"/>
+          </a:lnRef>
+          <a:fillRef idx="1">
+            <a:schemeClr val="lt1"/>
+          </a:fillRef>
+          <a:effectRef idx="0">
+            <a:schemeClr val="accent3"/>
+          </a:effectRef>
+          <a:fontRef idx="minor">
+            <a:schemeClr val="dk1"/>
+          </a:fontRef>
+        </p:style>
+        <p:txBody>
+          <a:bodyPr lIns="36000" tIns="36000" rIns="36000" bIns="36000" rtlCol="0" anchor="ctr"/>
+          <a:lstStyle/>
+          <a:p>
+            <a:pPr algn="ctr"/>
+            <a:endParaRPr kumimoji="1" lang="ja-JP" altLang="en-US" sz="1000" dirty="0"/>
+          </a:p>
+        </p:txBody>
+      </p:sp>
+      <p:cxnSp>
+        <p:nvCxnSpPr>
+          <p:cNvPr id="27" name="直線矢印コネクタ 26">
+            <a:extLst>
+              <a:ext uri="{FF2B5EF4-FFF2-40B4-BE49-F238E27FC236}">
+                <a16:creationId xmlns:a16="http://schemas.microsoft.com/office/drawing/2014/main" id="{58DC25B6-D1A3-4676-8FA5-4BB021D2AAAF}"/>
+              </a:ext>
+            </a:extLst>
+          </p:cNvPr>
+          <p:cNvCxnSpPr>
+            <a:stCxn id="7" idx="0"/>
+            <a:endCxn id="22" idx="2"/>
+          </p:cNvCxnSpPr>
+          <p:nvPr/>
+        </p:nvCxnSpPr>
+        <p:spPr>
+          <a:xfrm flipV="1">
+            <a:off x="2625449" y="1539985"/>
+            <a:ext cx="259483" cy="169943"/>
+          </a:xfrm>
+          <a:prstGeom prst="straightConnector1">
+            <a:avLst/>
+          </a:prstGeom>
+          <a:ln>
+            <a:solidFill>
+              <a:schemeClr val="accent1">
+                <a:lumMod val="40000"/>
+                <a:lumOff val="60000"/>
+              </a:schemeClr>
+            </a:solidFill>
+            <a:tailEnd type="triangle"/>
+          </a:ln>
+        </p:spPr>
+        <p:style>
+          <a:lnRef idx="1">
+            <a:schemeClr val="accent1"/>
+          </a:lnRef>
+          <a:fillRef idx="0">
+            <a:schemeClr val="accent1"/>
+          </a:fillRef>
+          <a:effectRef idx="0">
+            <a:schemeClr val="accent1"/>
+          </a:effectRef>
+          <a:fontRef idx="minor">
+            <a:schemeClr val="tx1"/>
+          </a:fontRef>
+        </p:style>
+      </p:cxnSp>
+      <p:cxnSp>
+        <p:nvCxnSpPr>
+          <p:cNvPr id="29" name="直線矢印コネクタ 28">
+            <a:extLst>
+              <a:ext uri="{FF2B5EF4-FFF2-40B4-BE49-F238E27FC236}">
+                <a16:creationId xmlns:a16="http://schemas.microsoft.com/office/drawing/2014/main" id="{E9F6447F-621E-4F3A-A47C-EE05BAFE78B0}"/>
+              </a:ext>
+            </a:extLst>
+          </p:cNvPr>
+          <p:cNvCxnSpPr>
+            <a:stCxn id="9" idx="0"/>
+            <a:endCxn id="23" idx="2"/>
+          </p:cNvCxnSpPr>
+          <p:nvPr/>
+        </p:nvCxnSpPr>
+        <p:spPr>
+          <a:xfrm flipH="1" flipV="1">
+            <a:off x="3424429" y="1539985"/>
+            <a:ext cx="269747" cy="169943"/>
+          </a:xfrm>
+          <a:prstGeom prst="straightConnector1">
+            <a:avLst/>
+          </a:prstGeom>
+          <a:ln>
+            <a:solidFill>
+              <a:schemeClr val="accent1">
+                <a:lumMod val="40000"/>
+                <a:lumOff val="60000"/>
+              </a:schemeClr>
+            </a:solidFill>
+            <a:tailEnd type="triangle"/>
+          </a:ln>
+        </p:spPr>
+        <p:style>
+          <a:lnRef idx="1">
+            <a:schemeClr val="accent1"/>
+          </a:lnRef>
+          <a:fillRef idx="0">
+            <a:schemeClr val="accent1"/>
+          </a:fillRef>
+          <a:effectRef idx="0">
+            <a:schemeClr val="accent1"/>
+          </a:effectRef>
+          <a:fontRef idx="minor">
+            <a:schemeClr val="tx1"/>
+          </a:fontRef>
+        </p:style>
+      </p:cxnSp>
+      <p:cxnSp>
+        <p:nvCxnSpPr>
+          <p:cNvPr id="31" name="直線矢印コネクタ 30">
+            <a:extLst>
+              <a:ext uri="{FF2B5EF4-FFF2-40B4-BE49-F238E27FC236}">
+                <a16:creationId xmlns:a16="http://schemas.microsoft.com/office/drawing/2014/main" id="{33AFD60B-7566-4618-9433-FD3F5EC136E8}"/>
+              </a:ext>
+            </a:extLst>
+          </p:cNvPr>
+          <p:cNvCxnSpPr>
+            <a:stCxn id="24" idx="0"/>
+            <a:endCxn id="7" idx="2"/>
+          </p:cNvCxnSpPr>
+          <p:nvPr/>
+        </p:nvCxnSpPr>
+        <p:spPr>
+          <a:xfrm flipH="1" flipV="1">
+            <a:off x="2625449" y="1965960"/>
+            <a:ext cx="259483" cy="178196"/>
+          </a:xfrm>
+          <a:prstGeom prst="straightConnector1">
+            <a:avLst/>
+          </a:prstGeom>
+          <a:ln>
+            <a:solidFill>
+              <a:schemeClr val="accent1">
+                <a:lumMod val="40000"/>
+                <a:lumOff val="60000"/>
+              </a:schemeClr>
+            </a:solidFill>
+            <a:tailEnd type="triangle"/>
+          </a:ln>
+        </p:spPr>
+        <p:style>
+          <a:lnRef idx="1">
+            <a:schemeClr val="accent1"/>
+          </a:lnRef>
+          <a:fillRef idx="0">
+            <a:schemeClr val="accent1"/>
+          </a:fillRef>
+          <a:effectRef idx="0">
+            <a:schemeClr val="accent1"/>
+          </a:effectRef>
+          <a:fontRef idx="minor">
+            <a:schemeClr val="tx1"/>
+          </a:fontRef>
+        </p:style>
+      </p:cxnSp>
+      <p:cxnSp>
+        <p:nvCxnSpPr>
+          <p:cNvPr id="33" name="直線矢印コネクタ 32">
+            <a:extLst>
+              <a:ext uri="{FF2B5EF4-FFF2-40B4-BE49-F238E27FC236}">
+                <a16:creationId xmlns:a16="http://schemas.microsoft.com/office/drawing/2014/main" id="{880032C0-4289-4773-9ED0-2B2299DD0B5E}"/>
+              </a:ext>
+            </a:extLst>
+          </p:cNvPr>
+          <p:cNvCxnSpPr>
+            <a:stCxn id="25" idx="0"/>
+            <a:endCxn id="9" idx="2"/>
+          </p:cNvCxnSpPr>
+          <p:nvPr/>
+        </p:nvCxnSpPr>
+        <p:spPr>
+          <a:xfrm flipV="1">
+            <a:off x="3424429" y="1965960"/>
+            <a:ext cx="269747" cy="178196"/>
+          </a:xfrm>
+          <a:prstGeom prst="straightConnector1">
+            <a:avLst/>
+          </a:prstGeom>
+          <a:ln>
+            <a:solidFill>
+              <a:schemeClr val="accent1">
+                <a:lumMod val="40000"/>
+                <a:lumOff val="60000"/>
+              </a:schemeClr>
+            </a:solidFill>
+            <a:tailEnd type="triangle"/>
+          </a:ln>
+        </p:spPr>
+        <p:style>
+          <a:lnRef idx="1">
+            <a:schemeClr val="accent1"/>
+          </a:lnRef>
+          <a:fillRef idx="0">
+            <a:schemeClr val="accent1"/>
+          </a:fillRef>
+          <a:effectRef idx="0">
+            <a:schemeClr val="accent1"/>
+          </a:effectRef>
+          <a:fontRef idx="minor">
+            <a:schemeClr val="tx1"/>
+          </a:fontRef>
+        </p:style>
+      </p:cxnSp>
+      <p:cxnSp>
+        <p:nvCxnSpPr>
+          <p:cNvPr id="35" name="直線矢印コネクタ 34">
+            <a:extLst>
+              <a:ext uri="{FF2B5EF4-FFF2-40B4-BE49-F238E27FC236}">
+                <a16:creationId xmlns:a16="http://schemas.microsoft.com/office/drawing/2014/main" id="{45EC5FB0-6519-45E5-B6A9-F3F144B014C9}"/>
+              </a:ext>
+            </a:extLst>
+          </p:cNvPr>
+          <p:cNvCxnSpPr>
+            <a:stCxn id="6" idx="0"/>
+            <a:endCxn id="4" idx="2"/>
+          </p:cNvCxnSpPr>
+          <p:nvPr/>
+        </p:nvCxnSpPr>
+        <p:spPr>
+          <a:xfrm flipV="1">
+            <a:off x="3154680" y="2404872"/>
+            <a:ext cx="0" cy="182880"/>
+          </a:xfrm>
+          <a:prstGeom prst="straightConnector1">
+            <a:avLst/>
+          </a:prstGeom>
+          <a:ln>
+            <a:solidFill>
+              <a:schemeClr val="accent1">
+                <a:lumMod val="40000"/>
+                <a:lumOff val="60000"/>
+              </a:schemeClr>
+            </a:solidFill>
+            <a:tailEnd type="triangle"/>
+          </a:ln>
+        </p:spPr>
+        <p:style>
+          <a:lnRef idx="1">
+            <a:schemeClr val="accent1"/>
+          </a:lnRef>
+          <a:fillRef idx="0">
+            <a:schemeClr val="accent1"/>
+          </a:fillRef>
+          <a:effectRef idx="0">
+            <a:schemeClr val="accent1"/>
+          </a:effectRef>
+          <a:fontRef idx="minor">
+            <a:schemeClr val="tx1"/>
+          </a:fontRef>
+        </p:style>
+      </p:cxnSp>
+      <p:sp>
+        <p:nvSpPr>
+          <p:cNvPr id="5" name="テキスト ボックス 4">
+            <a:extLst>
+              <a:ext uri="{FF2B5EF4-FFF2-40B4-BE49-F238E27FC236}">
+                <a16:creationId xmlns:a16="http://schemas.microsoft.com/office/drawing/2014/main" id="{A5C8ACE8-F345-451A-B82A-8F1B9B2BEFC6}"/>
+              </a:ext>
+            </a:extLst>
+          </p:cNvPr>
+          <p:cNvSpPr txBox="1"/>
+          <p:nvPr/>
+        </p:nvSpPr>
+        <p:spPr>
+          <a:xfrm>
+            <a:off x="4160856" y="2322242"/>
+            <a:ext cx="475057" cy="226591"/>
+          </a:xfrm>
+          <a:prstGeom prst="rect">
+            <a:avLst/>
+          </a:prstGeom>
+          <a:noFill/>
+        </p:spPr>
+        <p:txBody>
+          <a:bodyPr wrap="none" lIns="36000" tIns="36000" rIns="36000" bIns="36000" rtlCol="0">
+            <a:spAutoFit/>
+          </a:bodyPr>
+          <a:lstStyle/>
+          <a:p>
+            <a:r>
+              <a:rPr kumimoji="1" lang="en-US" altLang="ja-JP" sz="1000" dirty="0"/>
+              <a:t>(C#</a:t>
+            </a:r>
+            <a:r>
+              <a:rPr kumimoji="1" lang="ja-JP" altLang="en-US" sz="1000" dirty="0"/>
+              <a:t> </a:t>
+            </a:r>
+            <a:r>
+              <a:rPr kumimoji="1" lang="en-US" altLang="ja-JP" sz="1000" dirty="0"/>
+              <a:t>7.2)</a:t>
+            </a:r>
+            <a:endParaRPr kumimoji="1" lang="ja-JP" altLang="en-US" sz="1000" dirty="0"/>
+          </a:p>
+        </p:txBody>
+      </p:sp>
+    </p:spTree>
+    <p:extLst>
+      <p:ext uri="{BB962C8B-B14F-4D97-AF65-F5344CB8AC3E}">
+        <p14:creationId xmlns:p14="http://schemas.microsoft.com/office/powerpoint/2010/main" val="1320933483"/>
+      </p:ext>
+    </p:extLst>
+  </p:cSld>
+  <p:clrMapOvr>
+    <a:masterClrMapping/>
+  </p:clrMapOvr>
+</p:sld>
+</file>
+
 <file path=ppt/theme/theme1.xml><?xml version="1.0" encoding="utf-8"?>
 <a:theme xmlns:a="http://schemas.openxmlformats.org/drawingml/2006/main" name="Office テーマ">
   <a:themeElements>
